--- a/diagrama-trabajo.pptx
+++ b/diagrama-trabajo.pptx
@@ -5,19 +5,20 @@
     <p:sldMasterId id="2147483648" r:id="rId1"/>
   </p:sldMasterIdLst>
   <p:notesMasterIdLst>
-    <p:notesMasterId r:id="rId12"/>
+    <p:notesMasterId r:id="rId13"/>
   </p:notesMasterIdLst>
   <p:sldIdLst>
     <p:sldId id="268" r:id="rId2"/>
     <p:sldId id="259" r:id="rId3"/>
     <p:sldId id="260" r:id="rId4"/>
-    <p:sldId id="256" r:id="rId5"/>
-    <p:sldId id="267" r:id="rId6"/>
-    <p:sldId id="263" r:id="rId7"/>
-    <p:sldId id="265" r:id="rId8"/>
-    <p:sldId id="262" r:id="rId9"/>
-    <p:sldId id="257" r:id="rId10"/>
-    <p:sldId id="266" r:id="rId11"/>
+    <p:sldId id="269" r:id="rId5"/>
+    <p:sldId id="256" r:id="rId6"/>
+    <p:sldId id="267" r:id="rId7"/>
+    <p:sldId id="263" r:id="rId8"/>
+    <p:sldId id="265" r:id="rId9"/>
+    <p:sldId id="262" r:id="rId10"/>
+    <p:sldId id="257" r:id="rId11"/>
+    <p:sldId id="266" r:id="rId12"/>
   </p:sldIdLst>
   <p:sldSz cx="12192000" cy="6858000"/>
   <p:notesSz cx="6858000" cy="9144000"/>
@@ -124,25 +125,17 @@
 </p:presentation>
 </file>
 
-<file path=ppt/revisionInfo.xml><?xml version="1.0" encoding="utf-8"?>
-<p1510:revInfo xmlns:a="http://schemas.openxmlformats.org/drawingml/2006/main" xmlns:r="http://schemas.openxmlformats.org/officeDocument/2006/relationships" xmlns:p1510="http://schemas.microsoft.com/office/powerpoint/2015/10/main">
-  <p1510:revLst>
-    <p1510:client id="{025356F1-0F35-43FB-8B25-9D8301C6F0A4}" v="39" dt="2025-10-13T04:23:21.158"/>
-  </p1510:revLst>
-</p1510:revInfo>
-</file>
-
 <file path=ppt/changesInfos/changesInfo1.xml><?xml version="1.0" encoding="utf-8"?>
 <pc:chgInfo xmlns:a="http://schemas.openxmlformats.org/drawingml/2006/main" xmlns:r="http://schemas.openxmlformats.org/officeDocument/2006/relationships" xmlns:ac="http://schemas.microsoft.com/office/drawing/2013/main/command" xmlns:pc="http://schemas.microsoft.com/office/powerpoint/2013/main/command">
   <pc:docChgLst>
     <pc:chgData name="Constanza Valentina Hernández Sánchez" userId="655fa2ff-6cbe-4d8d-a27f-9cd900f48405" providerId="ADAL" clId="{B28C049A-CADF-4BA4-9E68-8F7F117939E2}"/>
     <pc:docChg chg="undo custSel addSld delSld modSld sldOrd">
-      <pc:chgData name="Constanza Valentina Hernández Sánchez" userId="655fa2ff-6cbe-4d8d-a27f-9cd900f48405" providerId="ADAL" clId="{B28C049A-CADF-4BA4-9E68-8F7F117939E2}" dt="2025-10-13T05:08:53.942" v="3081" actId="1076"/>
+      <pc:chgData name="Constanza Valentina Hernández Sánchez" userId="655fa2ff-6cbe-4d8d-a27f-9cd900f48405" providerId="ADAL" clId="{B28C049A-CADF-4BA4-9E68-8F7F117939E2}" dt="2025-10-20T18:25:21.021" v="3095" actId="680"/>
       <pc:docMkLst>
         <pc:docMk/>
       </pc:docMkLst>
       <pc:sldChg chg="addSp delSp modSp new mod">
-        <pc:chgData name="Constanza Valentina Hernández Sánchez" userId="655fa2ff-6cbe-4d8d-a27f-9cd900f48405" providerId="ADAL" clId="{B28C049A-CADF-4BA4-9E68-8F7F117939E2}" dt="2025-10-13T03:38:34.560" v="3018" actId="20577"/>
+        <pc:chgData name="Constanza Valentina Hernández Sánchez" userId="655fa2ff-6cbe-4d8d-a27f-9cd900f48405" providerId="ADAL" clId="{B28C049A-CADF-4BA4-9E68-8F7F117939E2}" dt="2025-10-20T16:54:51.036" v="3094" actId="6549"/>
         <pc:sldMkLst>
           <pc:docMk/>
           <pc:sldMk cId="2791960054" sldId="256"/>
@@ -153,22 +146,6 @@
             <pc:docMk/>
             <pc:sldMk cId="2791960054" sldId="256"/>
             <ac:spMk id="2" creationId="{97CD8587-9D7F-66E5-B221-FF50C926DFD3}"/>
-          </ac:spMkLst>
-        </pc:spChg>
-        <pc:spChg chg="del">
-          <ac:chgData name="Constanza Valentina Hernández Sánchez" userId="655fa2ff-6cbe-4d8d-a27f-9cd900f48405" providerId="ADAL" clId="{B28C049A-CADF-4BA4-9E68-8F7F117939E2}" dt="2025-10-13T01:50:12.247" v="1" actId="478"/>
-          <ac:spMkLst>
-            <pc:docMk/>
-            <pc:sldMk cId="2791960054" sldId="256"/>
-            <ac:spMk id="2" creationId="{B48D9318-BC54-728A-D47A-6A2421EC1470}"/>
-          </ac:spMkLst>
-        </pc:spChg>
-        <pc:spChg chg="del">
-          <ac:chgData name="Constanza Valentina Hernández Sánchez" userId="655fa2ff-6cbe-4d8d-a27f-9cd900f48405" providerId="ADAL" clId="{B28C049A-CADF-4BA4-9E68-8F7F117939E2}" dt="2025-10-13T01:50:12.247" v="1" actId="478"/>
-          <ac:spMkLst>
-            <pc:docMk/>
-            <pc:sldMk cId="2791960054" sldId="256"/>
-            <ac:spMk id="3" creationId="{1D6338E1-D896-8995-3DE6-077B103B43AD}"/>
           </ac:spMkLst>
         </pc:spChg>
         <pc:spChg chg="add mod">
@@ -219,16 +196,8 @@
             <ac:spMk id="8" creationId="{281E4508-5805-F3A0-3D93-4C6854B998D9}"/>
           </ac:spMkLst>
         </pc:spChg>
-        <pc:spChg chg="add del">
-          <ac:chgData name="Constanza Valentina Hernández Sánchez" userId="655fa2ff-6cbe-4d8d-a27f-9cd900f48405" providerId="ADAL" clId="{B28C049A-CADF-4BA4-9E68-8F7F117939E2}" dt="2025-10-13T01:56:23.641" v="328" actId="478"/>
-          <ac:spMkLst>
-            <pc:docMk/>
-            <pc:sldMk cId="2791960054" sldId="256"/>
-            <ac:spMk id="9" creationId="{3AE49843-359F-3D1A-F9F7-D0FC1B784D18}"/>
-          </ac:spMkLst>
-        </pc:spChg>
         <pc:spChg chg="add mod">
-          <ac:chgData name="Constanza Valentina Hernández Sánchez" userId="655fa2ff-6cbe-4d8d-a27f-9cd900f48405" providerId="ADAL" clId="{B28C049A-CADF-4BA4-9E68-8F7F117939E2}" dt="2025-10-13T03:34:41.900" v="2973" actId="1076"/>
+          <ac:chgData name="Constanza Valentina Hernández Sánchez" userId="655fa2ff-6cbe-4d8d-a27f-9cd900f48405" providerId="ADAL" clId="{B28C049A-CADF-4BA4-9E68-8F7F117939E2}" dt="2025-10-20T16:54:51.036" v="3094" actId="6549"/>
           <ac:spMkLst>
             <pc:docMk/>
             <pc:sldMk cId="2791960054" sldId="256"/>
@@ -275,14 +244,6 @@
             <ac:spMk id="14" creationId="{9510C319-B797-C423-C08F-2C891F094D8B}"/>
           </ac:spMkLst>
         </pc:spChg>
-        <pc:spChg chg="add del mod">
-          <ac:chgData name="Constanza Valentina Hernández Sánchez" userId="655fa2ff-6cbe-4d8d-a27f-9cd900f48405" providerId="ADAL" clId="{B28C049A-CADF-4BA4-9E68-8F7F117939E2}" dt="2025-10-13T02:11:57.445" v="1268" actId="478"/>
-          <ac:spMkLst>
-            <pc:docMk/>
-            <pc:sldMk cId="2791960054" sldId="256"/>
-            <ac:spMk id="15" creationId="{D3065E38-F24C-9109-CCD0-08F13BBD1F7D}"/>
-          </ac:spMkLst>
-        </pc:spChg>
         <pc:spChg chg="add mod">
           <ac:chgData name="Constanza Valentina Hernández Sánchez" userId="655fa2ff-6cbe-4d8d-a27f-9cd900f48405" providerId="ADAL" clId="{B28C049A-CADF-4BA4-9E68-8F7F117939E2}" dt="2025-10-13T03:38:34.560" v="3018" actId="20577"/>
           <ac:spMkLst>
@@ -307,36 +268,12 @@
             <ac:spMk id="18" creationId="{CF0CEF1C-B06E-ECEF-614A-6A4FD34ACC77}"/>
           </ac:spMkLst>
         </pc:spChg>
-        <pc:spChg chg="add del mod">
-          <ac:chgData name="Constanza Valentina Hernández Sánchez" userId="655fa2ff-6cbe-4d8d-a27f-9cd900f48405" providerId="ADAL" clId="{B28C049A-CADF-4BA4-9E68-8F7F117939E2}" dt="2025-10-13T02:13:42.536" v="1338" actId="478"/>
-          <ac:spMkLst>
-            <pc:docMk/>
-            <pc:sldMk cId="2791960054" sldId="256"/>
-            <ac:spMk id="19" creationId="{90CD5D21-74DA-5A2F-486B-7120CE03FC74}"/>
-          </ac:spMkLst>
-        </pc:spChg>
         <pc:spChg chg="add mod">
           <ac:chgData name="Constanza Valentina Hernández Sánchez" userId="655fa2ff-6cbe-4d8d-a27f-9cd900f48405" providerId="ADAL" clId="{B28C049A-CADF-4BA4-9E68-8F7F117939E2}" dt="2025-10-13T02:22:59.237" v="1553" actId="1076"/>
           <ac:spMkLst>
             <pc:docMk/>
             <pc:sldMk cId="2791960054" sldId="256"/>
             <ac:spMk id="20" creationId="{4604D02A-5D8C-C7C7-3F8F-3102C27FE88A}"/>
-          </ac:spMkLst>
-        </pc:spChg>
-        <pc:spChg chg="add del mod">
-          <ac:chgData name="Constanza Valentina Hernández Sánchez" userId="655fa2ff-6cbe-4d8d-a27f-9cd900f48405" providerId="ADAL" clId="{B28C049A-CADF-4BA4-9E68-8F7F117939E2}" dt="2025-10-13T02:14:52.268" v="1420" actId="478"/>
-          <ac:spMkLst>
-            <pc:docMk/>
-            <pc:sldMk cId="2791960054" sldId="256"/>
-            <ac:spMk id="21" creationId="{4532CB3F-95C2-4434-C8B2-F423A9A2402F}"/>
-          </ac:spMkLst>
-        </pc:spChg>
-        <pc:spChg chg="add del mod">
-          <ac:chgData name="Constanza Valentina Hernández Sánchez" userId="655fa2ff-6cbe-4d8d-a27f-9cd900f48405" providerId="ADAL" clId="{B28C049A-CADF-4BA4-9E68-8F7F117939E2}" dt="2025-10-13T02:14:51.679" v="1419" actId="478"/>
-          <ac:spMkLst>
-            <pc:docMk/>
-            <pc:sldMk cId="2791960054" sldId="256"/>
-            <ac:spMk id="22" creationId="{C6247660-0C9B-0262-8F88-B4771647D452}"/>
           </ac:spMkLst>
         </pc:spChg>
         <pc:spChg chg="add mod">
@@ -353,14 +290,6 @@
             <pc:docMk/>
             <pc:sldMk cId="2791960054" sldId="256"/>
             <ac:spMk id="24" creationId="{24D44854-2259-6D4C-587D-AE0CD865F9E4}"/>
-          </ac:spMkLst>
-        </pc:spChg>
-        <pc:spChg chg="add del mod">
-          <ac:chgData name="Constanza Valentina Hernández Sánchez" userId="655fa2ff-6cbe-4d8d-a27f-9cd900f48405" providerId="ADAL" clId="{B28C049A-CADF-4BA4-9E68-8F7F117939E2}" dt="2025-10-13T02:19:40.863" v="1499" actId="478"/>
-          <ac:spMkLst>
-            <pc:docMk/>
-            <pc:sldMk cId="2791960054" sldId="256"/>
-            <ac:spMk id="87" creationId="{56803F75-600E-E112-F882-54771E42B17E}"/>
           </ac:spMkLst>
         </pc:spChg>
         <pc:spChg chg="add mod">
@@ -409,30 +338,6 @@
             <pc:docMk/>
             <pc:sldMk cId="2791960054" sldId="256"/>
             <ac:cxnSpMk id="32" creationId="{66A4F34C-3551-BFE5-CFDE-E6DDA942ACE1}"/>
-          </ac:cxnSpMkLst>
-        </pc:cxnChg>
-        <pc:cxnChg chg="add del mod">
-          <ac:chgData name="Constanza Valentina Hernández Sánchez" userId="655fa2ff-6cbe-4d8d-a27f-9cd900f48405" providerId="ADAL" clId="{B28C049A-CADF-4BA4-9E68-8F7F117939E2}" dt="2025-10-13T02:16:05.019" v="1454" actId="478"/>
-          <ac:cxnSpMkLst>
-            <pc:docMk/>
-            <pc:sldMk cId="2791960054" sldId="256"/>
-            <ac:cxnSpMk id="36" creationId="{E8583FF9-5C68-FB63-DFA7-717AB23584A3}"/>
-          </ac:cxnSpMkLst>
-        </pc:cxnChg>
-        <pc:cxnChg chg="add del mod">
-          <ac:chgData name="Constanza Valentina Hernández Sánchez" userId="655fa2ff-6cbe-4d8d-a27f-9cd900f48405" providerId="ADAL" clId="{B28C049A-CADF-4BA4-9E68-8F7F117939E2}" dt="2025-10-13T02:21:25.591" v="1527" actId="478"/>
-          <ac:cxnSpMkLst>
-            <pc:docMk/>
-            <pc:sldMk cId="2791960054" sldId="256"/>
-            <ac:cxnSpMk id="39" creationId="{87EAED71-13D4-13DC-1DA1-9CC251E27B0A}"/>
-          </ac:cxnSpMkLst>
-        </pc:cxnChg>
-        <pc:cxnChg chg="add del mod">
-          <ac:chgData name="Constanza Valentina Hernández Sánchez" userId="655fa2ff-6cbe-4d8d-a27f-9cd900f48405" providerId="ADAL" clId="{B28C049A-CADF-4BA4-9E68-8F7F117939E2}" dt="2025-10-13T02:21:22.431" v="1525" actId="478"/>
-          <ac:cxnSpMkLst>
-            <pc:docMk/>
-            <pc:sldMk cId="2791960054" sldId="256"/>
-            <ac:cxnSpMk id="42" creationId="{98BBA712-CABC-A9F5-1D81-6FF523D4743C}"/>
           </ac:cxnSpMkLst>
         </pc:cxnChg>
         <pc:cxnChg chg="add mod">
@@ -505,22 +410,6 @@
             <pc:docMk/>
             <pc:sldMk cId="2791960054" sldId="256"/>
             <ac:cxnSpMk id="66" creationId="{D56CD8A1-2ED4-66DA-FD9D-D2C1AE20AE3A}"/>
-          </ac:cxnSpMkLst>
-        </pc:cxnChg>
-        <pc:cxnChg chg="add del mod">
-          <ac:chgData name="Constanza Valentina Hernández Sánchez" userId="655fa2ff-6cbe-4d8d-a27f-9cd900f48405" providerId="ADAL" clId="{B28C049A-CADF-4BA4-9E68-8F7F117939E2}" dt="2025-10-13T02:21:23.353" v="1526" actId="478"/>
-          <ac:cxnSpMkLst>
-            <pc:docMk/>
-            <pc:sldMk cId="2791960054" sldId="256"/>
-            <ac:cxnSpMk id="68" creationId="{BD64CB50-9FA0-0BF2-5047-C8B9AA9B43CC}"/>
-          </ac:cxnSpMkLst>
-        </pc:cxnChg>
-        <pc:cxnChg chg="add del mod">
-          <ac:chgData name="Constanza Valentina Hernández Sánchez" userId="655fa2ff-6cbe-4d8d-a27f-9cd900f48405" providerId="ADAL" clId="{B28C049A-CADF-4BA4-9E68-8F7F117939E2}" dt="2025-10-13T02:21:11.902" v="1522" actId="478"/>
-          <ac:cxnSpMkLst>
-            <pc:docMk/>
-            <pc:sldMk cId="2791960054" sldId="256"/>
-            <ac:cxnSpMk id="70" creationId="{BF8A386D-958C-D6ED-DB7B-2697401CD547}"/>
           </ac:cxnSpMkLst>
         </pc:cxnChg>
         <pc:cxnChg chg="add mod">
@@ -602,14 +491,6 @@
             <ac:spMk id="2" creationId="{65790DFB-C68F-289B-9F84-F747A8647CFE}"/>
           </ac:spMkLst>
         </pc:spChg>
-        <pc:spChg chg="del">
-          <ac:chgData name="Constanza Valentina Hernández Sánchez" userId="655fa2ff-6cbe-4d8d-a27f-9cd900f48405" providerId="ADAL" clId="{B28C049A-CADF-4BA4-9E68-8F7F117939E2}" dt="2025-10-13T01:51:35.989" v="13" actId="478"/>
-          <ac:spMkLst>
-            <pc:docMk/>
-            <pc:sldMk cId="1004727235" sldId="257"/>
-            <ac:spMk id="3" creationId="{A231D98A-32A0-2C7F-52E8-17B923F20AB2}"/>
-          </ac:spMkLst>
-        </pc:spChg>
         <pc:spChg chg="add mod">
           <ac:chgData name="Constanza Valentina Hernández Sánchez" userId="655fa2ff-6cbe-4d8d-a27f-9cd900f48405" providerId="ADAL" clId="{B28C049A-CADF-4BA4-9E68-8F7F117939E2}" dt="2025-10-13T03:30:40.321" v="2819" actId="20577"/>
           <ac:spMkLst>
@@ -618,14 +499,6 @@
             <ac:spMk id="6" creationId="{68F1E082-C0B7-D32C-D167-DCEAA11E931A}"/>
           </ac:spMkLst>
         </pc:spChg>
-        <pc:picChg chg="add del">
-          <ac:chgData name="Constanza Valentina Hernández Sánchez" userId="655fa2ff-6cbe-4d8d-a27f-9cd900f48405" providerId="ADAL" clId="{B28C049A-CADF-4BA4-9E68-8F7F117939E2}" dt="2025-10-13T03:13:01.358" v="1836" actId="21"/>
-          <ac:picMkLst>
-            <pc:docMk/>
-            <pc:sldMk cId="1004727235" sldId="257"/>
-            <ac:picMk id="4" creationId="{296E6848-B036-63DD-7E1A-73F87D59D915}"/>
-          </ac:picMkLst>
-        </pc:picChg>
         <pc:picChg chg="add mod">
           <ac:chgData name="Constanza Valentina Hernández Sánchez" userId="655fa2ff-6cbe-4d8d-a27f-9cd900f48405" providerId="ADAL" clId="{B28C049A-CADF-4BA4-9E68-8F7F117939E2}" dt="2025-10-13T01:53:20.628" v="20" actId="1076"/>
           <ac:picMkLst>
@@ -641,94 +514,6 @@
           <pc:docMk/>
           <pc:sldMk cId="1785681456" sldId="258"/>
         </pc:sldMkLst>
-        <pc:spChg chg="del">
-          <ac:chgData name="Constanza Valentina Hernández Sánchez" userId="655fa2ff-6cbe-4d8d-a27f-9cd900f48405" providerId="ADAL" clId="{B28C049A-CADF-4BA4-9E68-8F7F117939E2}" dt="2025-10-13T02:00:54.426" v="587" actId="478"/>
-          <ac:spMkLst>
-            <pc:docMk/>
-            <pc:sldMk cId="1785681456" sldId="258"/>
-            <ac:spMk id="2" creationId="{0DA90AC2-7841-094C-C6D6-0A36F4988DDF}"/>
-          </ac:spMkLst>
-        </pc:spChg>
-        <pc:spChg chg="add mod">
-          <ac:chgData name="Constanza Valentina Hernández Sánchez" userId="655fa2ff-6cbe-4d8d-a27f-9cd900f48405" providerId="ADAL" clId="{B28C049A-CADF-4BA4-9E68-8F7F117939E2}" dt="2025-10-13T02:04:21.571" v="634" actId="1076"/>
-          <ac:spMkLst>
-            <pc:docMk/>
-            <pc:sldMk cId="1785681456" sldId="258"/>
-            <ac:spMk id="2" creationId="{ECB3D419-227A-D996-325B-644BCAC7552F}"/>
-          </ac:spMkLst>
-        </pc:spChg>
-        <pc:spChg chg="del">
-          <ac:chgData name="Constanza Valentina Hernández Sánchez" userId="655fa2ff-6cbe-4d8d-a27f-9cd900f48405" providerId="ADAL" clId="{B28C049A-CADF-4BA4-9E68-8F7F117939E2}" dt="2025-10-13T02:00:54.426" v="587" actId="478"/>
-          <ac:spMkLst>
-            <pc:docMk/>
-            <pc:sldMk cId="1785681456" sldId="258"/>
-            <ac:spMk id="3" creationId="{7F0500C6-123C-FAF4-9836-680E6BE8EA05}"/>
-          </ac:spMkLst>
-        </pc:spChg>
-        <pc:spChg chg="add mod">
-          <ac:chgData name="Constanza Valentina Hernández Sánchez" userId="655fa2ff-6cbe-4d8d-a27f-9cd900f48405" providerId="ADAL" clId="{B28C049A-CADF-4BA4-9E68-8F7F117939E2}" dt="2025-10-13T02:04:40.166" v="677" actId="1076"/>
-          <ac:spMkLst>
-            <pc:docMk/>
-            <pc:sldMk cId="1785681456" sldId="258"/>
-            <ac:spMk id="3" creationId="{B4EF324D-AD63-B820-9354-947E95409A48}"/>
-          </ac:spMkLst>
-        </pc:spChg>
-        <pc:spChg chg="add mod">
-          <ac:chgData name="Constanza Valentina Hernández Sánchez" userId="655fa2ff-6cbe-4d8d-a27f-9cd900f48405" providerId="ADAL" clId="{B28C049A-CADF-4BA4-9E68-8F7F117939E2}" dt="2025-10-13T02:03:03.075" v="610" actId="1076"/>
-          <ac:spMkLst>
-            <pc:docMk/>
-            <pc:sldMk cId="1785681456" sldId="258"/>
-            <ac:spMk id="8" creationId="{C63F25E6-3D26-B3B9-E955-4F2DDCED311E}"/>
-          </ac:spMkLst>
-        </pc:spChg>
-        <pc:spChg chg="add mod">
-          <ac:chgData name="Constanza Valentina Hernández Sánchez" userId="655fa2ff-6cbe-4d8d-a27f-9cd900f48405" providerId="ADAL" clId="{B28C049A-CADF-4BA4-9E68-8F7F117939E2}" dt="2025-10-13T02:03:37.361" v="624" actId="1076"/>
-          <ac:spMkLst>
-            <pc:docMk/>
-            <pc:sldMk cId="1785681456" sldId="258"/>
-            <ac:spMk id="10" creationId="{678869AC-2D4B-9584-AF64-3B9F334DB51A}"/>
-          </ac:spMkLst>
-        </pc:spChg>
-        <pc:inkChg chg="add">
-          <ac:chgData name="Constanza Valentina Hernández Sánchez" userId="655fa2ff-6cbe-4d8d-a27f-9cd900f48405" providerId="ADAL" clId="{B28C049A-CADF-4BA4-9E68-8F7F117939E2}" dt="2025-10-13T02:02:00.860" v="588" actId="9405"/>
-          <ac:inkMkLst>
-            <pc:docMk/>
-            <pc:sldMk cId="1785681456" sldId="258"/>
-            <ac:inkMk id="4" creationId="{D369ED8E-D170-ADBE-7608-3582FFED02D8}"/>
-          </ac:inkMkLst>
-        </pc:inkChg>
-        <pc:inkChg chg="add">
-          <ac:chgData name="Constanza Valentina Hernández Sánchez" userId="655fa2ff-6cbe-4d8d-a27f-9cd900f48405" providerId="ADAL" clId="{B28C049A-CADF-4BA4-9E68-8F7F117939E2}" dt="2025-10-13T02:02:11.230" v="589" actId="9405"/>
-          <ac:inkMkLst>
-            <pc:docMk/>
-            <pc:sldMk cId="1785681456" sldId="258"/>
-            <ac:inkMk id="5" creationId="{1AB53B2C-7364-D09E-2F7D-9A50DA525212}"/>
-          </ac:inkMkLst>
-        </pc:inkChg>
-        <pc:inkChg chg="add">
-          <ac:chgData name="Constanza Valentina Hernández Sánchez" userId="655fa2ff-6cbe-4d8d-a27f-9cd900f48405" providerId="ADAL" clId="{B28C049A-CADF-4BA4-9E68-8F7F117939E2}" dt="2025-10-13T02:02:25.951" v="590" actId="9405"/>
-          <ac:inkMkLst>
-            <pc:docMk/>
-            <pc:sldMk cId="1785681456" sldId="258"/>
-            <ac:inkMk id="6" creationId="{F42065FC-A856-5F1E-E503-B3EE8AB51017}"/>
-          </ac:inkMkLst>
-        </pc:inkChg>
-        <pc:inkChg chg="add">
-          <ac:chgData name="Constanza Valentina Hernández Sánchez" userId="655fa2ff-6cbe-4d8d-a27f-9cd900f48405" providerId="ADAL" clId="{B28C049A-CADF-4BA4-9E68-8F7F117939E2}" dt="2025-10-13T02:02:40.303" v="591" actId="9405"/>
-          <ac:inkMkLst>
-            <pc:docMk/>
-            <pc:sldMk cId="1785681456" sldId="258"/>
-            <ac:inkMk id="7" creationId="{C5C7BE2F-936A-A8CA-BF4C-A1EAB2A86EFE}"/>
-          </ac:inkMkLst>
-        </pc:inkChg>
-        <pc:inkChg chg="add">
-          <ac:chgData name="Constanza Valentina Hernández Sánchez" userId="655fa2ff-6cbe-4d8d-a27f-9cd900f48405" providerId="ADAL" clId="{B28C049A-CADF-4BA4-9E68-8F7F117939E2}" dt="2025-10-13T02:03:25.949" v="611" actId="9405"/>
-          <ac:inkMkLst>
-            <pc:docMk/>
-            <pc:sldMk cId="1785681456" sldId="258"/>
-            <ac:inkMk id="9" creationId="{67E82970-F9D0-B962-0CF8-C31A8ECC1348}"/>
-          </ac:inkMkLst>
-        </pc:inkChg>
       </pc:sldChg>
       <pc:sldChg chg="modSp new mod ord">
         <pc:chgData name="Constanza Valentina Hernández Sánchez" userId="655fa2ff-6cbe-4d8d-a27f-9cd900f48405" providerId="ADAL" clId="{B28C049A-CADF-4BA4-9E68-8F7F117939E2}" dt="2025-10-13T03:34:30.834" v="2972" actId="5793"/>
@@ -782,22 +567,6 @@
           <pc:docMk/>
           <pc:sldMk cId="874988653" sldId="261"/>
         </pc:sldMkLst>
-        <pc:spChg chg="del">
-          <ac:chgData name="Constanza Valentina Hernández Sánchez" userId="655fa2ff-6cbe-4d8d-a27f-9cd900f48405" providerId="ADAL" clId="{B28C049A-CADF-4BA4-9E68-8F7F117939E2}" dt="2025-10-13T02:03:45.491" v="626" actId="478"/>
-          <ac:spMkLst>
-            <pc:docMk/>
-            <pc:sldMk cId="874988653" sldId="261"/>
-            <ac:spMk id="2" creationId="{1D5E385D-6F47-B5B6-B411-030929519CF1}"/>
-          </ac:spMkLst>
-        </pc:spChg>
-        <pc:spChg chg="del">
-          <ac:chgData name="Constanza Valentina Hernández Sánchez" userId="655fa2ff-6cbe-4d8d-a27f-9cd900f48405" providerId="ADAL" clId="{B28C049A-CADF-4BA4-9E68-8F7F117939E2}" dt="2025-10-13T02:03:45.491" v="626" actId="478"/>
-          <ac:spMkLst>
-            <pc:docMk/>
-            <pc:sldMk cId="874988653" sldId="261"/>
-            <ac:spMk id="3" creationId="{92DEA776-6150-A202-ECB6-39F52E7817E3}"/>
-          </ac:spMkLst>
-        </pc:spChg>
       </pc:sldChg>
       <pc:sldChg chg="addSp delSp modSp new mod ord">
         <pc:chgData name="Constanza Valentina Hernández Sánchez" userId="655fa2ff-6cbe-4d8d-a27f-9cd900f48405" providerId="ADAL" clId="{B28C049A-CADF-4BA4-9E68-8F7F117939E2}" dt="2025-10-13T03:30:24.974" v="2782" actId="1076"/>
@@ -805,38 +574,6 @@
           <pc:docMk/>
           <pc:sldMk cId="898322162" sldId="262"/>
         </pc:sldMkLst>
-        <pc:spChg chg="del">
-          <ac:chgData name="Constanza Valentina Hernández Sánchez" userId="655fa2ff-6cbe-4d8d-a27f-9cd900f48405" providerId="ADAL" clId="{B28C049A-CADF-4BA4-9E68-8F7F117939E2}" dt="2025-10-13T02:08:55.292" v="1125" actId="478"/>
-          <ac:spMkLst>
-            <pc:docMk/>
-            <pc:sldMk cId="898322162" sldId="262"/>
-            <ac:spMk id="2" creationId="{537B1204-0C65-F109-CA91-E92D96654F26}"/>
-          </ac:spMkLst>
-        </pc:spChg>
-        <pc:spChg chg="del">
-          <ac:chgData name="Constanza Valentina Hernández Sánchez" userId="655fa2ff-6cbe-4d8d-a27f-9cd900f48405" providerId="ADAL" clId="{B28C049A-CADF-4BA4-9E68-8F7F117939E2}" dt="2025-10-13T02:08:55.292" v="1125" actId="478"/>
-          <ac:spMkLst>
-            <pc:docMk/>
-            <pc:sldMk cId="898322162" sldId="262"/>
-            <ac:spMk id="3" creationId="{6051405B-C44D-6E42-CB2A-E196C788567E}"/>
-          </ac:spMkLst>
-        </pc:spChg>
-        <pc:spChg chg="add del mod">
-          <ac:chgData name="Constanza Valentina Hernández Sánchez" userId="655fa2ff-6cbe-4d8d-a27f-9cd900f48405" providerId="ADAL" clId="{B28C049A-CADF-4BA4-9E68-8F7F117939E2}" dt="2025-10-13T02:36:59.639" v="1644" actId="478"/>
-          <ac:spMkLst>
-            <pc:docMk/>
-            <pc:sldMk cId="898322162" sldId="262"/>
-            <ac:spMk id="6" creationId="{61BFDAC7-1E33-D3C4-8DE7-7B473E02F73A}"/>
-          </ac:spMkLst>
-        </pc:spChg>
-        <pc:spChg chg="add del mod">
-          <ac:chgData name="Constanza Valentina Hernández Sánchez" userId="655fa2ff-6cbe-4d8d-a27f-9cd900f48405" providerId="ADAL" clId="{B28C049A-CADF-4BA4-9E68-8F7F117939E2}" dt="2025-10-13T03:13:57.589" v="1896" actId="478"/>
-          <ac:spMkLst>
-            <pc:docMk/>
-            <pc:sldMk cId="898322162" sldId="262"/>
-            <ac:spMk id="11" creationId="{608B95C0-391A-61ED-F7C2-0409282D7961}"/>
-          </ac:spMkLst>
-        </pc:spChg>
         <pc:spChg chg="add mod">
           <ac:chgData name="Constanza Valentina Hernández Sánchez" userId="655fa2ff-6cbe-4d8d-a27f-9cd900f48405" providerId="ADAL" clId="{B28C049A-CADF-4BA4-9E68-8F7F117939E2}" dt="2025-10-13T03:30:24.974" v="2782" actId="1076"/>
           <ac:spMkLst>
@@ -845,22 +582,6 @@
             <ac:spMk id="12" creationId="{EF75F401-415D-3573-A0DC-D3320EF3B0E6}"/>
           </ac:spMkLst>
         </pc:spChg>
-        <pc:picChg chg="add del mod">
-          <ac:chgData name="Constanza Valentina Hernández Sánchez" userId="655fa2ff-6cbe-4d8d-a27f-9cd900f48405" providerId="ADAL" clId="{B28C049A-CADF-4BA4-9E68-8F7F117939E2}" dt="2025-10-13T02:36:52.523" v="1640" actId="478"/>
-          <ac:picMkLst>
-            <pc:docMk/>
-            <pc:sldMk cId="898322162" sldId="262"/>
-            <ac:picMk id="5" creationId="{20A0AE67-2CDB-24E9-93DD-7F01085A7D5B}"/>
-          </ac:picMkLst>
-        </pc:picChg>
-        <pc:picChg chg="add del mod">
-          <ac:chgData name="Constanza Valentina Hernández Sánchez" userId="655fa2ff-6cbe-4d8d-a27f-9cd900f48405" providerId="ADAL" clId="{B28C049A-CADF-4BA4-9E68-8F7F117939E2}" dt="2025-10-13T02:37:04.666" v="1647" actId="478"/>
-          <ac:picMkLst>
-            <pc:docMk/>
-            <pc:sldMk cId="898322162" sldId="262"/>
-            <ac:picMk id="8" creationId="{7486FA53-3017-4C78-BC96-626BC242174E}"/>
-          </ac:picMkLst>
-        </pc:picChg>
         <pc:picChg chg="add mod">
           <ac:chgData name="Constanza Valentina Hernández Sánchez" userId="655fa2ff-6cbe-4d8d-a27f-9cd900f48405" providerId="ADAL" clId="{B28C049A-CADF-4BA4-9E68-8F7F117939E2}" dt="2025-10-13T03:29:20.815" v="2500" actId="1076"/>
           <ac:picMkLst>
@@ -876,38 +597,6 @@
           <pc:docMk/>
           <pc:sldMk cId="3961614460" sldId="263"/>
         </pc:sldMkLst>
-        <pc:spChg chg="del">
-          <ac:chgData name="Constanza Valentina Hernández Sánchez" userId="655fa2ff-6cbe-4d8d-a27f-9cd900f48405" providerId="ADAL" clId="{B28C049A-CADF-4BA4-9E68-8F7F117939E2}" dt="2025-10-13T02:36:50.851" v="1639" actId="478"/>
-          <ac:spMkLst>
-            <pc:docMk/>
-            <pc:sldMk cId="3961614460" sldId="263"/>
-            <ac:spMk id="2" creationId="{0B7E3A70-9CEC-409B-1B58-736AD483E8B3}"/>
-          </ac:spMkLst>
-        </pc:spChg>
-        <pc:spChg chg="del">
-          <ac:chgData name="Constanza Valentina Hernández Sánchez" userId="655fa2ff-6cbe-4d8d-a27f-9cd900f48405" providerId="ADAL" clId="{B28C049A-CADF-4BA4-9E68-8F7F117939E2}" dt="2025-10-13T02:36:50.851" v="1639" actId="478"/>
-          <ac:spMkLst>
-            <pc:docMk/>
-            <pc:sldMk cId="3961614460" sldId="263"/>
-            <ac:spMk id="3" creationId="{BA87CE46-3009-A218-AA9C-BB24682376BC}"/>
-          </ac:spMkLst>
-        </pc:spChg>
-        <pc:spChg chg="add del mod ord">
-          <ac:chgData name="Constanza Valentina Hernández Sánchez" userId="655fa2ff-6cbe-4d8d-a27f-9cd900f48405" providerId="ADAL" clId="{B28C049A-CADF-4BA4-9E68-8F7F117939E2}" dt="2025-10-13T03:13:24.909" v="1846" actId="700"/>
-          <ac:spMkLst>
-            <pc:docMk/>
-            <pc:sldMk cId="3961614460" sldId="263"/>
-            <ac:spMk id="6" creationId="{24B45951-4CCB-3377-81EC-01FC5738EA96}"/>
-          </ac:spMkLst>
-        </pc:spChg>
-        <pc:spChg chg="add del mod ord">
-          <ac:chgData name="Constanza Valentina Hernández Sánchez" userId="655fa2ff-6cbe-4d8d-a27f-9cd900f48405" providerId="ADAL" clId="{B28C049A-CADF-4BA4-9E68-8F7F117939E2}" dt="2025-10-13T03:13:24.909" v="1846" actId="700"/>
-          <ac:spMkLst>
-            <pc:docMk/>
-            <pc:sldMk cId="3961614460" sldId="263"/>
-            <ac:spMk id="7" creationId="{1098BC8E-3740-D562-09C6-4EACB5B05DE7}"/>
-          </ac:spMkLst>
-        </pc:spChg>
         <pc:spChg chg="add mod ord">
           <ac:chgData name="Constanza Valentina Hernández Sánchez" userId="655fa2ff-6cbe-4d8d-a27f-9cd900f48405" providerId="ADAL" clId="{B28C049A-CADF-4BA4-9E68-8F7F117939E2}" dt="2025-10-13T03:36:56.944" v="2994" actId="113"/>
           <ac:spMkLst>
@@ -939,46 +628,6 @@
           <pc:docMk/>
           <pc:sldMk cId="120883303" sldId="264"/>
         </pc:sldMkLst>
-        <pc:spChg chg="del">
-          <ac:chgData name="Constanza Valentina Hernández Sánchez" userId="655fa2ff-6cbe-4d8d-a27f-9cd900f48405" providerId="ADAL" clId="{B28C049A-CADF-4BA4-9E68-8F7F117939E2}" dt="2025-10-13T02:53:29.110" v="1816" actId="478"/>
-          <ac:spMkLst>
-            <pc:docMk/>
-            <pc:sldMk cId="120883303" sldId="264"/>
-            <ac:spMk id="2" creationId="{8F8F2E2F-E022-13DC-4FEE-40602C18DAB9}"/>
-          </ac:spMkLst>
-        </pc:spChg>
-        <pc:spChg chg="del">
-          <ac:chgData name="Constanza Valentina Hernández Sánchez" userId="655fa2ff-6cbe-4d8d-a27f-9cd900f48405" providerId="ADAL" clId="{B28C049A-CADF-4BA4-9E68-8F7F117939E2}" dt="2025-10-13T02:53:29.110" v="1816" actId="478"/>
-          <ac:spMkLst>
-            <pc:docMk/>
-            <pc:sldMk cId="120883303" sldId="264"/>
-            <ac:spMk id="3" creationId="{CA0F5C6A-5B2F-F024-5EB9-6DFF6401B72A}"/>
-          </ac:spMkLst>
-        </pc:spChg>
-        <pc:spChg chg="add del">
-          <ac:chgData name="Constanza Valentina Hernández Sánchez" userId="655fa2ff-6cbe-4d8d-a27f-9cd900f48405" providerId="ADAL" clId="{B28C049A-CADF-4BA4-9E68-8F7F117939E2}" dt="2025-10-13T02:53:33.313" v="1818" actId="478"/>
-          <ac:spMkLst>
-            <pc:docMk/>
-            <pc:sldMk cId="120883303" sldId="264"/>
-            <ac:spMk id="4" creationId="{04F5525F-D6C9-E603-F40A-05490E76B64B}"/>
-          </ac:spMkLst>
-        </pc:spChg>
-        <pc:spChg chg="add del">
-          <ac:chgData name="Constanza Valentina Hernández Sánchez" userId="655fa2ff-6cbe-4d8d-a27f-9cd900f48405" providerId="ADAL" clId="{B28C049A-CADF-4BA4-9E68-8F7F117939E2}" dt="2025-10-13T02:53:55.608" v="1820" actId="478"/>
-          <ac:spMkLst>
-            <pc:docMk/>
-            <pc:sldMk cId="120883303" sldId="264"/>
-            <ac:spMk id="5" creationId="{9FDF1AB9-DACD-9806-8F3E-F5DD9858E3D9}"/>
-          </ac:spMkLst>
-        </pc:spChg>
-        <pc:picChg chg="add mod">
-          <ac:chgData name="Constanza Valentina Hernández Sánchez" userId="655fa2ff-6cbe-4d8d-a27f-9cd900f48405" providerId="ADAL" clId="{B28C049A-CADF-4BA4-9E68-8F7F117939E2}" dt="2025-10-13T02:54:11.009" v="1822" actId="1076"/>
-          <ac:picMkLst>
-            <pc:docMk/>
-            <pc:sldMk cId="120883303" sldId="264"/>
-            <ac:picMk id="7" creationId="{AC80E2C2-CDF2-9556-3840-8747C44F28F9}"/>
-          </ac:picMkLst>
-        </pc:picChg>
       </pc:sldChg>
       <pc:sldChg chg="addSp delSp modSp new mod ord modClrScheme chgLayout">
         <pc:chgData name="Constanza Valentina Hernández Sánchez" userId="655fa2ff-6cbe-4d8d-a27f-9cd900f48405" providerId="ADAL" clId="{B28C049A-CADF-4BA4-9E68-8F7F117939E2}" dt="2025-10-13T03:36:52.314" v="2993" actId="113"/>
@@ -986,22 +635,6 @@
           <pc:docMk/>
           <pc:sldMk cId="3923091112" sldId="265"/>
         </pc:sldMkLst>
-        <pc:spChg chg="del">
-          <ac:chgData name="Constanza Valentina Hernández Sánchez" userId="655fa2ff-6cbe-4d8d-a27f-9cd900f48405" providerId="ADAL" clId="{B28C049A-CADF-4BA4-9E68-8F7F117939E2}" dt="2025-10-13T03:10:33.159" v="1827" actId="478"/>
-          <ac:spMkLst>
-            <pc:docMk/>
-            <pc:sldMk cId="3923091112" sldId="265"/>
-            <ac:spMk id="2" creationId="{43569C91-5B35-AD17-AAB8-2E1C97A3FE74}"/>
-          </ac:spMkLst>
-        </pc:spChg>
-        <pc:spChg chg="del">
-          <ac:chgData name="Constanza Valentina Hernández Sánchez" userId="655fa2ff-6cbe-4d8d-a27f-9cd900f48405" providerId="ADAL" clId="{B28C049A-CADF-4BA4-9E68-8F7F117939E2}" dt="2025-10-13T03:10:33.159" v="1827" actId="478"/>
-          <ac:spMkLst>
-            <pc:docMk/>
-            <pc:sldMk cId="3923091112" sldId="265"/>
-            <ac:spMk id="3" creationId="{0E79DF08-EF19-39EB-410A-B773BAD051E0}"/>
-          </ac:spMkLst>
-        </pc:spChg>
         <pc:spChg chg="add mod ord">
           <ac:chgData name="Constanza Valentina Hernández Sánchez" userId="655fa2ff-6cbe-4d8d-a27f-9cd900f48405" providerId="ADAL" clId="{B28C049A-CADF-4BA4-9E68-8F7F117939E2}" dt="2025-10-13T03:36:52.314" v="2993" actId="113"/>
           <ac:spMkLst>
@@ -1041,22 +674,6 @@
           <pc:docMk/>
           <pc:sldMk cId="714096792" sldId="266"/>
         </pc:sldMkLst>
-        <pc:spChg chg="del">
-          <ac:chgData name="Constanza Valentina Hernández Sánchez" userId="655fa2ff-6cbe-4d8d-a27f-9cd900f48405" providerId="ADAL" clId="{B28C049A-CADF-4BA4-9E68-8F7F117939E2}" dt="2025-10-13T03:13:06.761" v="1839" actId="478"/>
-          <ac:spMkLst>
-            <pc:docMk/>
-            <pc:sldMk cId="714096792" sldId="266"/>
-            <ac:spMk id="2" creationId="{3E1E4AFC-8CF0-B8E9-6BDC-C18D19785E0E}"/>
-          </ac:spMkLst>
-        </pc:spChg>
-        <pc:spChg chg="del">
-          <ac:chgData name="Constanza Valentina Hernández Sánchez" userId="655fa2ff-6cbe-4d8d-a27f-9cd900f48405" providerId="ADAL" clId="{B28C049A-CADF-4BA4-9E68-8F7F117939E2}" dt="2025-10-13T03:13:08.825" v="1840" actId="478"/>
-          <ac:spMkLst>
-            <pc:docMk/>
-            <pc:sldMk cId="714096792" sldId="266"/>
-            <ac:spMk id="3" creationId="{A7575ACB-23D6-51ED-9E96-BBCA87162A8D}"/>
-          </ac:spMkLst>
-        </pc:spChg>
         <pc:spChg chg="add mod">
           <ac:chgData name="Constanza Valentina Hernández Sánchez" userId="655fa2ff-6cbe-4d8d-a27f-9cd900f48405" providerId="ADAL" clId="{B28C049A-CADF-4BA4-9E68-8F7F117939E2}" dt="2025-10-13T03:31:37.608" v="2971" actId="20577"/>
           <ac:spMkLst>
@@ -1088,22 +705,6 @@
             <ac:spMk id="2" creationId="{7286B0B7-277C-10AD-ED55-B5DD1AE91019}"/>
           </ac:spMkLst>
         </pc:spChg>
-        <pc:spChg chg="add del">
-          <ac:chgData name="Constanza Valentina Hernández Sánchez" userId="655fa2ff-6cbe-4d8d-a27f-9cd900f48405" providerId="ADAL" clId="{B28C049A-CADF-4BA4-9E68-8F7F117939E2}" dt="2025-10-13T05:08:32.561" v="3076" actId="478"/>
-          <ac:spMkLst>
-            <pc:docMk/>
-            <pc:sldMk cId="375347933" sldId="267"/>
-            <ac:spMk id="3" creationId="{3271330A-55E5-6332-A024-91DC21E09E2B}"/>
-          </ac:spMkLst>
-        </pc:spChg>
-        <pc:spChg chg="add del mod">
-          <ac:chgData name="Constanza Valentina Hernández Sánchez" userId="655fa2ff-6cbe-4d8d-a27f-9cd900f48405" providerId="ADAL" clId="{B28C049A-CADF-4BA4-9E68-8F7F117939E2}" dt="2025-10-13T05:08:37.661" v="3078" actId="478"/>
-          <ac:spMkLst>
-            <pc:docMk/>
-            <pc:sldMk cId="375347933" sldId="267"/>
-            <ac:spMk id="5" creationId="{E387F65C-52D0-92B4-0002-AFC98E5F7DE7}"/>
-          </ac:spMkLst>
-        </pc:spChg>
         <pc:picChg chg="add mod">
           <ac:chgData name="Constanza Valentina Hernández Sánchez" userId="655fa2ff-6cbe-4d8d-a27f-9cd900f48405" providerId="ADAL" clId="{B28C049A-CADF-4BA4-9E68-8F7F117939E2}" dt="2025-10-13T05:08:53.942" v="3081" actId="1076"/>
           <ac:picMkLst>
@@ -1119,22 +720,6 @@
           <pc:docMk/>
           <pc:sldMk cId="3169239722" sldId="268"/>
         </pc:sldMkLst>
-        <pc:spChg chg="del mod ord">
-          <ac:chgData name="Constanza Valentina Hernández Sánchez" userId="655fa2ff-6cbe-4d8d-a27f-9cd900f48405" providerId="ADAL" clId="{B28C049A-CADF-4BA4-9E68-8F7F117939E2}" dt="2025-10-13T04:20:57.987" v="3023" actId="700"/>
-          <ac:spMkLst>
-            <pc:docMk/>
-            <pc:sldMk cId="3169239722" sldId="268"/>
-            <ac:spMk id="2" creationId="{4E3C74E3-5B04-C2AC-746C-088CF3DF71E0}"/>
-          </ac:spMkLst>
-        </pc:spChg>
-        <pc:spChg chg="del mod ord">
-          <ac:chgData name="Constanza Valentina Hernández Sánchez" userId="655fa2ff-6cbe-4d8d-a27f-9cd900f48405" providerId="ADAL" clId="{B28C049A-CADF-4BA4-9E68-8F7F117939E2}" dt="2025-10-13T04:20:57.987" v="3023" actId="700"/>
-          <ac:spMkLst>
-            <pc:docMk/>
-            <pc:sldMk cId="3169239722" sldId="268"/>
-            <ac:spMk id="3" creationId="{D5D7DB0B-C258-048C-6B72-C4F565E78692}"/>
-          </ac:spMkLst>
-        </pc:spChg>
         <pc:spChg chg="add mod ord">
           <ac:chgData name="Constanza Valentina Hernández Sánchez" userId="655fa2ff-6cbe-4d8d-a27f-9cd900f48405" providerId="ADAL" clId="{B28C049A-CADF-4BA4-9E68-8F7F117939E2}" dt="2025-10-13T04:23:51.717" v="3074" actId="20577"/>
           <ac:spMkLst>
@@ -1143,14 +728,13 @@
             <ac:spMk id="4" creationId="{ECEB6873-3729-EABB-B5A5-F37541057E7E}"/>
           </ac:spMkLst>
         </pc:spChg>
-        <pc:spChg chg="add del mod ord">
-          <ac:chgData name="Constanza Valentina Hernández Sánchez" userId="655fa2ff-6cbe-4d8d-a27f-9cd900f48405" providerId="ADAL" clId="{B28C049A-CADF-4BA4-9E68-8F7F117939E2}" dt="2025-10-13T04:23:23.392" v="3030" actId="478"/>
-          <ac:spMkLst>
-            <pc:docMk/>
-            <pc:sldMk cId="3169239722" sldId="268"/>
-            <ac:spMk id="5" creationId="{784F009D-FD4B-23FF-80E9-00DC2A74DB93}"/>
-          </ac:spMkLst>
-        </pc:spChg>
+      </pc:sldChg>
+      <pc:sldChg chg="new">
+        <pc:chgData name="Constanza Valentina Hernández Sánchez" userId="655fa2ff-6cbe-4d8d-a27f-9cd900f48405" providerId="ADAL" clId="{B28C049A-CADF-4BA4-9E68-8F7F117939E2}" dt="2025-10-20T18:25:21.021" v="3095" actId="680"/>
+        <pc:sldMkLst>
+          <pc:docMk/>
+          <pc:sldMk cId="3759505099" sldId="269"/>
+        </pc:sldMkLst>
       </pc:sldChg>
     </pc:docChg>
   </pc:docChgLst>
@@ -1239,7 +823,7 @@
           <a:p>
             <a:fld id="{9737B92D-2D95-4F46-A332-00488C8DC0F8}" type="datetimeFigureOut">
               <a:rPr lang="en-US" smtClean="0"/>
-              <a:t>10/12/2025</a:t>
+              <a:t>10/20/2025</a:t>
             </a:fld>
             <a:endParaRPr lang="en-US"/>
           </a:p>
@@ -1653,7 +1237,7 @@
           <a:p>
             <a:fld id="{95FAD556-7069-41DA-980A-F4A57812852F}" type="datetimeFigureOut">
               <a:rPr lang="en-US" smtClean="0"/>
-              <a:t>10/12/2025</a:t>
+              <a:t>10/20/2025</a:t>
             </a:fld>
             <a:endParaRPr lang="en-US"/>
           </a:p>
@@ -1851,7 +1435,7 @@
           <a:p>
             <a:fld id="{95FAD556-7069-41DA-980A-F4A57812852F}" type="datetimeFigureOut">
               <a:rPr lang="en-US" smtClean="0"/>
-              <a:t>10/12/2025</a:t>
+              <a:t>10/20/2025</a:t>
             </a:fld>
             <a:endParaRPr lang="en-US"/>
           </a:p>
@@ -2059,7 +1643,7 @@
           <a:p>
             <a:fld id="{95FAD556-7069-41DA-980A-F4A57812852F}" type="datetimeFigureOut">
               <a:rPr lang="en-US" smtClean="0"/>
-              <a:t>10/12/2025</a:t>
+              <a:t>10/20/2025</a:t>
             </a:fld>
             <a:endParaRPr lang="en-US"/>
           </a:p>
@@ -2257,7 +1841,7 @@
           <a:p>
             <a:fld id="{95FAD556-7069-41DA-980A-F4A57812852F}" type="datetimeFigureOut">
               <a:rPr lang="en-US" smtClean="0"/>
-              <a:t>10/12/2025</a:t>
+              <a:t>10/20/2025</a:t>
             </a:fld>
             <a:endParaRPr lang="en-US"/>
           </a:p>
@@ -2532,7 +2116,7 @@
           <a:p>
             <a:fld id="{95FAD556-7069-41DA-980A-F4A57812852F}" type="datetimeFigureOut">
               <a:rPr lang="en-US" smtClean="0"/>
-              <a:t>10/12/2025</a:t>
+              <a:t>10/20/2025</a:t>
             </a:fld>
             <a:endParaRPr lang="en-US"/>
           </a:p>
@@ -2797,7 +2381,7 @@
           <a:p>
             <a:fld id="{95FAD556-7069-41DA-980A-F4A57812852F}" type="datetimeFigureOut">
               <a:rPr lang="en-US" smtClean="0"/>
-              <a:t>10/12/2025</a:t>
+              <a:t>10/20/2025</a:t>
             </a:fld>
             <a:endParaRPr lang="en-US"/>
           </a:p>
@@ -3209,7 +2793,7 @@
           <a:p>
             <a:fld id="{95FAD556-7069-41DA-980A-F4A57812852F}" type="datetimeFigureOut">
               <a:rPr lang="en-US" smtClean="0"/>
-              <a:t>10/12/2025</a:t>
+              <a:t>10/20/2025</a:t>
             </a:fld>
             <a:endParaRPr lang="en-US"/>
           </a:p>
@@ -3350,7 +2934,7 @@
           <a:p>
             <a:fld id="{95FAD556-7069-41DA-980A-F4A57812852F}" type="datetimeFigureOut">
               <a:rPr lang="en-US" smtClean="0"/>
-              <a:t>10/12/2025</a:t>
+              <a:t>10/20/2025</a:t>
             </a:fld>
             <a:endParaRPr lang="en-US"/>
           </a:p>
@@ -3463,7 +3047,7 @@
           <a:p>
             <a:fld id="{95FAD556-7069-41DA-980A-F4A57812852F}" type="datetimeFigureOut">
               <a:rPr lang="en-US" smtClean="0"/>
-              <a:t>10/12/2025</a:t>
+              <a:t>10/20/2025</a:t>
             </a:fld>
             <a:endParaRPr lang="en-US"/>
           </a:p>
@@ -3774,7 +3358,7 @@
           <a:p>
             <a:fld id="{95FAD556-7069-41DA-980A-F4A57812852F}" type="datetimeFigureOut">
               <a:rPr lang="en-US" smtClean="0"/>
-              <a:t>10/12/2025</a:t>
+              <a:t>10/20/2025</a:t>
             </a:fld>
             <a:endParaRPr lang="en-US"/>
           </a:p>
@@ -4062,7 +3646,7 @@
           <a:p>
             <a:fld id="{95FAD556-7069-41DA-980A-F4A57812852F}" type="datetimeFigureOut">
               <a:rPr lang="en-US" smtClean="0"/>
-              <a:t>10/12/2025</a:t>
+              <a:t>10/20/2025</a:t>
             </a:fld>
             <a:endParaRPr lang="en-US"/>
           </a:p>
@@ -4303,7 +3887,7 @@
           <a:p>
             <a:fld id="{95FAD556-7069-41DA-980A-F4A57812852F}" type="datetimeFigureOut">
               <a:rPr lang="en-US" smtClean="0"/>
-              <a:t>10/12/2025</a:t>
+              <a:t>10/20/2025</a:t>
             </a:fld>
             <a:endParaRPr lang="en-US"/>
           </a:p>
@@ -4790,6 +4374,230 @@
           <a:chExt cx="0" cy="0"/>
         </a:xfrm>
       </p:grpSpPr>
+      <p:sp>
+        <p:nvSpPr>
+          <p:cNvPr id="2" name="Title 1">
+            <a:extLst>
+              <a:ext uri="{FF2B5EF4-FFF2-40B4-BE49-F238E27FC236}">
+                <a16:creationId xmlns:a16="http://schemas.microsoft.com/office/drawing/2014/main" id="{65790DFB-C68F-289B-9F84-F747A8647CFE}"/>
+              </a:ext>
+            </a:extLst>
+          </p:cNvPr>
+          <p:cNvSpPr>
+            <a:spLocks noGrp="1"/>
+          </p:cNvSpPr>
+          <p:nvPr>
+            <p:ph type="title"/>
+          </p:nvPr>
+        </p:nvSpPr>
+        <p:spPr/>
+        <p:txBody>
+          <a:bodyPr/>
+          <a:lstStyle/>
+          <a:p>
+            <a:r>
+              <a:rPr lang="en-US" b="1" dirty="0" err="1"/>
+              <a:t>Fenología</a:t>
+            </a:r>
+            <a:endParaRPr lang="en-US" b="1" dirty="0"/>
+          </a:p>
+        </p:txBody>
+      </p:sp>
+      <p:pic>
+        <p:nvPicPr>
+          <p:cNvPr id="5" name="Picture 4">
+            <a:extLst>
+              <a:ext uri="{FF2B5EF4-FFF2-40B4-BE49-F238E27FC236}">
+                <a16:creationId xmlns:a16="http://schemas.microsoft.com/office/drawing/2014/main" id="{B0ED449A-4275-143F-CE2E-638A058F15B8}"/>
+              </a:ext>
+            </a:extLst>
+          </p:cNvPr>
+          <p:cNvPicPr>
+            <a:picLocks noChangeAspect="1"/>
+          </p:cNvPicPr>
+          <p:nvPr/>
+        </p:nvPicPr>
+        <p:blipFill>
+          <a:blip r:embed="rId2"/>
+          <a:stretch>
+            <a:fillRect/>
+          </a:stretch>
+        </p:blipFill>
+        <p:spPr>
+          <a:xfrm>
+            <a:off x="838200" y="1385471"/>
+            <a:ext cx="7409688" cy="4913793"/>
+          </a:xfrm>
+          <a:prstGeom prst="rect">
+            <a:avLst/>
+          </a:prstGeom>
+        </p:spPr>
+      </p:pic>
+      <p:sp>
+        <p:nvSpPr>
+          <p:cNvPr id="6" name="TextBox 5">
+            <a:extLst>
+              <a:ext uri="{FF2B5EF4-FFF2-40B4-BE49-F238E27FC236}">
+                <a16:creationId xmlns:a16="http://schemas.microsoft.com/office/drawing/2014/main" id="{68F1E082-C0B7-D32C-D167-DCEAA11E931A}"/>
+              </a:ext>
+            </a:extLst>
+          </p:cNvPr>
+          <p:cNvSpPr txBox="1"/>
+          <p:nvPr/>
+        </p:nvSpPr>
+        <p:spPr>
+          <a:xfrm>
+            <a:off x="7593631" y="2360075"/>
+            <a:ext cx="4503990" cy="1200329"/>
+          </a:xfrm>
+          <a:prstGeom prst="rect">
+            <a:avLst/>
+          </a:prstGeom>
+          <a:noFill/>
+        </p:spPr>
+        <p:txBody>
+          <a:bodyPr wrap="none" rtlCol="0">
+            <a:spAutoFit/>
+          </a:bodyPr>
+          <a:lstStyle/>
+          <a:p>
+            <a:r>
+              <a:rPr lang="en-US" dirty="0"/>
+              <a:t>Me </a:t>
+            </a:r>
+            <a:r>
+              <a:rPr lang="en-US" dirty="0" err="1"/>
+              <a:t>gusta</a:t>
+            </a:r>
+            <a:r>
+              <a:rPr lang="en-US" dirty="0"/>
+              <a:t> </a:t>
+            </a:r>
+            <a:r>
+              <a:rPr lang="en-US" dirty="0" err="1"/>
+              <a:t>porque</a:t>
+            </a:r>
+            <a:r>
+              <a:rPr lang="en-US" dirty="0"/>
+              <a:t> </a:t>
+            </a:r>
+            <a:r>
+              <a:rPr lang="en-US" dirty="0" err="1"/>
+              <a:t>resalta</a:t>
+            </a:r>
+            <a:r>
+              <a:rPr lang="en-US" dirty="0"/>
+              <a:t> la </a:t>
+            </a:r>
+            <a:r>
+              <a:rPr lang="en-US" dirty="0" err="1"/>
+              <a:t>temporada</a:t>
+            </a:r>
+            <a:endParaRPr lang="en-US" dirty="0"/>
+          </a:p>
+          <a:p>
+            <a:r>
+              <a:rPr lang="en-US" dirty="0"/>
+              <a:t>De “</a:t>
+            </a:r>
+            <a:r>
+              <a:rPr lang="en-US" dirty="0" err="1"/>
+              <a:t>reverdecimiento</a:t>
+            </a:r>
+            <a:r>
+              <a:rPr lang="en-US" dirty="0"/>
+              <a:t>” </a:t>
+            </a:r>
+            <a:r>
+              <a:rPr lang="en-US" dirty="0" err="1"/>
+              <a:t>asociado</a:t>
+            </a:r>
+            <a:r>
+              <a:rPr lang="en-US" dirty="0"/>
+              <a:t> al </a:t>
+            </a:r>
+            <a:r>
+              <a:rPr lang="en-US" dirty="0" err="1"/>
+              <a:t>aumento</a:t>
+            </a:r>
+            <a:r>
+              <a:rPr lang="en-US" dirty="0"/>
+              <a:t> </a:t>
+            </a:r>
+          </a:p>
+          <a:p>
+            <a:r>
+              <a:rPr lang="en-US" dirty="0"/>
+              <a:t>de </a:t>
+            </a:r>
+            <a:r>
+              <a:rPr lang="en-US" dirty="0" err="1"/>
+              <a:t>productividad</a:t>
+            </a:r>
+            <a:r>
+              <a:rPr lang="en-US" dirty="0"/>
+              <a:t>. </a:t>
+            </a:r>
+          </a:p>
+          <a:p>
+            <a:r>
+              <a:rPr lang="en-US" dirty="0"/>
+              <a:t>Para </a:t>
+            </a:r>
+            <a:r>
+              <a:rPr lang="en-US" dirty="0" err="1"/>
+              <a:t>fenología</a:t>
+            </a:r>
+            <a:r>
+              <a:rPr lang="en-US" dirty="0"/>
+              <a:t> me </a:t>
+            </a:r>
+            <a:r>
+              <a:rPr lang="en-US" dirty="0" err="1"/>
+              <a:t>parece</a:t>
+            </a:r>
+            <a:r>
+              <a:rPr lang="en-US" dirty="0"/>
+              <a:t> my </a:t>
+            </a:r>
+            <a:r>
+              <a:rPr lang="en-US" dirty="0" err="1"/>
+              <a:t>útil</a:t>
+            </a:r>
+            <a:endParaRPr lang="en-US" dirty="0"/>
+          </a:p>
+        </p:txBody>
+      </p:sp>
+    </p:spTree>
+    <p:extLst>
+      <p:ext uri="{BB962C8B-B14F-4D97-AF65-F5344CB8AC3E}">
+        <p14:creationId xmlns:p14="http://schemas.microsoft.com/office/powerpoint/2010/main" val="1004727235"/>
+      </p:ext>
+    </p:extLst>
+  </p:cSld>
+  <p:clrMapOvr>
+    <a:masterClrMapping/>
+  </p:clrMapOvr>
+</p:sld>
+</file>
+
+<file path=ppt/slides/slide11.xml><?xml version="1.0" encoding="utf-8"?>
+<p:sld xmlns:a="http://schemas.openxmlformats.org/drawingml/2006/main" xmlns:r="http://schemas.openxmlformats.org/officeDocument/2006/relationships" xmlns:p="http://schemas.openxmlformats.org/presentationml/2006/main">
+  <p:cSld>
+    <p:spTree>
+      <p:nvGrpSpPr>
+        <p:cNvPr id="1" name=""/>
+        <p:cNvGrpSpPr/>
+        <p:nvPr/>
+      </p:nvGrpSpPr>
+      <p:grpSpPr>
+        <a:xfrm>
+          <a:off x="0" y="0"/>
+          <a:ext cx="0" cy="0"/>
+          <a:chOff x="0" y="0"/>
+          <a:chExt cx="0" cy="0"/>
+        </a:xfrm>
+      </p:grpSpPr>
       <p:pic>
         <p:nvPicPr>
           <p:cNvPr id="4" name="Picture 3">
@@ -5178,6 +4986,86 @@
       </p:grpSpPr>
       <p:sp>
         <p:nvSpPr>
+          <p:cNvPr id="2" name="Title 1">
+            <a:extLst>
+              <a:ext uri="{FF2B5EF4-FFF2-40B4-BE49-F238E27FC236}">
+                <a16:creationId xmlns:a16="http://schemas.microsoft.com/office/drawing/2014/main" id="{2B70F97A-7E41-9FE4-86AA-CA83ED811E1D}"/>
+              </a:ext>
+            </a:extLst>
+          </p:cNvPr>
+          <p:cNvSpPr>
+            <a:spLocks noGrp="1"/>
+          </p:cNvSpPr>
+          <p:nvPr>
+            <p:ph type="title"/>
+          </p:nvPr>
+        </p:nvSpPr>
+        <p:spPr/>
+        <p:txBody>
+          <a:bodyPr/>
+          <a:lstStyle/>
+          <a:p>
+            <a:endParaRPr lang="en-US"/>
+          </a:p>
+        </p:txBody>
+      </p:sp>
+      <p:sp>
+        <p:nvSpPr>
+          <p:cNvPr id="3" name="Content Placeholder 2">
+            <a:extLst>
+              <a:ext uri="{FF2B5EF4-FFF2-40B4-BE49-F238E27FC236}">
+                <a16:creationId xmlns:a16="http://schemas.microsoft.com/office/drawing/2014/main" id="{EC8FABFE-0FD9-1DA2-36E0-6667AA220551}"/>
+              </a:ext>
+            </a:extLst>
+          </p:cNvPr>
+          <p:cNvSpPr>
+            <a:spLocks noGrp="1"/>
+          </p:cNvSpPr>
+          <p:nvPr>
+            <p:ph idx="1"/>
+          </p:nvPr>
+        </p:nvSpPr>
+        <p:spPr/>
+        <p:txBody>
+          <a:bodyPr/>
+          <a:lstStyle/>
+          <a:p>
+            <a:endParaRPr lang="en-US"/>
+          </a:p>
+        </p:txBody>
+      </p:sp>
+    </p:spTree>
+    <p:extLst>
+      <p:ext uri="{BB962C8B-B14F-4D97-AF65-F5344CB8AC3E}">
+        <p14:creationId xmlns:p14="http://schemas.microsoft.com/office/powerpoint/2010/main" val="3759505099"/>
+      </p:ext>
+    </p:extLst>
+  </p:cSld>
+  <p:clrMapOvr>
+    <a:masterClrMapping/>
+  </p:clrMapOvr>
+</p:sld>
+</file>
+
+<file path=ppt/slides/slide5.xml><?xml version="1.0" encoding="utf-8"?>
+<p:sld xmlns:a="http://schemas.openxmlformats.org/drawingml/2006/main" xmlns:r="http://schemas.openxmlformats.org/officeDocument/2006/relationships" xmlns:p="http://schemas.openxmlformats.org/presentationml/2006/main">
+  <p:cSld>
+    <p:spTree>
+      <p:nvGrpSpPr>
+        <p:cNvPr id="1" name=""/>
+        <p:cNvGrpSpPr/>
+        <p:nvPr/>
+      </p:nvGrpSpPr>
+      <p:grpSpPr>
+        <a:xfrm>
+          <a:off x="0" y="0"/>
+          <a:ext cx="0" cy="0"/>
+          <a:chOff x="0" y="0"/>
+          <a:chExt cx="0" cy="0"/>
+        </a:xfrm>
+      </p:grpSpPr>
+      <p:sp>
+        <p:nvSpPr>
           <p:cNvPr id="4" name="Rectangle 3">
             <a:extLst>
               <a:ext uri="{FF2B5EF4-FFF2-40B4-BE49-F238E27FC236}">
@@ -6121,12 +6009,8 @@
           <a:p>
             <a:pPr algn="ctr"/>
             <a:r>
-              <a:rPr lang="en-US" sz="1050" dirty="0" err="1"/>
-              <a:t>Fenología</a:t>
-            </a:r>
-            <a:r>
               <a:rPr lang="en-US" sz="1050" dirty="0"/>
-              <a:t> Humedales</a:t>
+              <a:t>Humedales</a:t>
             </a:r>
           </a:p>
         </p:txBody>
@@ -7642,7 +7526,7 @@
 </p:sld>
 </file>
 
-<file path=ppt/slides/slide5.xml><?xml version="1.0" encoding="utf-8"?>
+<file path=ppt/slides/slide6.xml><?xml version="1.0" encoding="utf-8"?>
 <p:sld xmlns:a="http://schemas.openxmlformats.org/drawingml/2006/main" xmlns:r="http://schemas.openxmlformats.org/officeDocument/2006/relationships" xmlns:p="http://schemas.openxmlformats.org/presentationml/2006/main">
   <p:cSld>
     <p:spTree>
@@ -7731,7 +7615,7 @@
 </p:sld>
 </file>
 
-<file path=ppt/slides/slide6.xml><?xml version="1.0" encoding="utf-8"?>
+<file path=ppt/slides/slide7.xml><?xml version="1.0" encoding="utf-8"?>
 <p:sld xmlns:a="http://schemas.openxmlformats.org/drawingml/2006/main" xmlns:r="http://schemas.openxmlformats.org/officeDocument/2006/relationships" xmlns:p="http://schemas.openxmlformats.org/presentationml/2006/main">
   <p:cSld>
     <p:spTree>
@@ -7946,337 +7830,6 @@
     <p:extLst>
       <p:ext uri="{BB962C8B-B14F-4D97-AF65-F5344CB8AC3E}">
         <p14:creationId xmlns:p14="http://schemas.microsoft.com/office/powerpoint/2010/main" val="3961614460"/>
-      </p:ext>
-    </p:extLst>
-  </p:cSld>
-  <p:clrMapOvr>
-    <a:masterClrMapping/>
-  </p:clrMapOvr>
-</p:sld>
-</file>
-
-<file path=ppt/slides/slide7.xml><?xml version="1.0" encoding="utf-8"?>
-<p:sld xmlns:a="http://schemas.openxmlformats.org/drawingml/2006/main" xmlns:r="http://schemas.openxmlformats.org/officeDocument/2006/relationships" xmlns:p="http://schemas.openxmlformats.org/presentationml/2006/main">
-  <p:cSld>
-    <p:spTree>
-      <p:nvGrpSpPr>
-        <p:cNvPr id="1" name=""/>
-        <p:cNvGrpSpPr/>
-        <p:nvPr/>
-      </p:nvGrpSpPr>
-      <p:grpSpPr>
-        <a:xfrm>
-          <a:off x="0" y="0"/>
-          <a:ext cx="0" cy="0"/>
-          <a:chOff x="0" y="0"/>
-          <a:chExt cx="0" cy="0"/>
-        </a:xfrm>
-      </p:grpSpPr>
-      <p:pic>
-        <p:nvPicPr>
-          <p:cNvPr id="5" name="Picture 4">
-            <a:extLst>
-              <a:ext uri="{FF2B5EF4-FFF2-40B4-BE49-F238E27FC236}">
-                <a16:creationId xmlns:a16="http://schemas.microsoft.com/office/drawing/2014/main" id="{3C75DE83-4025-A5B2-1E6B-69349897D309}"/>
-              </a:ext>
-            </a:extLst>
-          </p:cNvPr>
-          <p:cNvPicPr>
-            <a:picLocks noChangeAspect="1"/>
-          </p:cNvPicPr>
-          <p:nvPr/>
-        </p:nvPicPr>
-        <p:blipFill>
-          <a:blip r:embed="rId2"/>
-          <a:stretch>
-            <a:fillRect/>
-          </a:stretch>
-        </p:blipFill>
-        <p:spPr>
-          <a:xfrm>
-            <a:off x="294627" y="1376063"/>
-            <a:ext cx="6925642" cy="4982270"/>
-          </a:xfrm>
-          <a:prstGeom prst="rect">
-            <a:avLst/>
-          </a:prstGeom>
-        </p:spPr>
-      </p:pic>
-      <p:pic>
-        <p:nvPicPr>
-          <p:cNvPr id="7" name="Picture 6">
-            <a:extLst>
-              <a:ext uri="{FF2B5EF4-FFF2-40B4-BE49-F238E27FC236}">
-                <a16:creationId xmlns:a16="http://schemas.microsoft.com/office/drawing/2014/main" id="{C46D6F32-B8DA-9001-6414-530D971E0136}"/>
-              </a:ext>
-            </a:extLst>
-          </p:cNvPr>
-          <p:cNvPicPr>
-            <a:picLocks noChangeAspect="1"/>
-          </p:cNvPicPr>
-          <p:nvPr/>
-        </p:nvPicPr>
-        <p:blipFill>
-          <a:blip r:embed="rId3"/>
-          <a:stretch>
-            <a:fillRect/>
-          </a:stretch>
-        </p:blipFill>
-        <p:spPr>
-          <a:xfrm>
-            <a:off x="6688364" y="3783724"/>
-            <a:ext cx="5297829" cy="2611395"/>
-          </a:xfrm>
-          <a:prstGeom prst="rect">
-            <a:avLst/>
-          </a:prstGeom>
-        </p:spPr>
-      </p:pic>
-      <p:sp>
-        <p:nvSpPr>
-          <p:cNvPr id="8" name="Title 7">
-            <a:extLst>
-              <a:ext uri="{FF2B5EF4-FFF2-40B4-BE49-F238E27FC236}">
-                <a16:creationId xmlns:a16="http://schemas.microsoft.com/office/drawing/2014/main" id="{3CF5C933-A378-CF60-801F-5E65D261A974}"/>
-              </a:ext>
-            </a:extLst>
-          </p:cNvPr>
-          <p:cNvSpPr>
-            <a:spLocks noGrp="1"/>
-          </p:cNvSpPr>
-          <p:nvPr>
-            <p:ph type="title"/>
-          </p:nvPr>
-        </p:nvSpPr>
-        <p:spPr/>
-        <p:txBody>
-          <a:bodyPr/>
-          <a:lstStyle/>
-          <a:p>
-            <a:r>
-              <a:rPr lang="en-US" b="1" dirty="0"/>
-              <a:t>NDVI EDA </a:t>
-            </a:r>
-            <a:r>
-              <a:rPr lang="en-US" b="1" dirty="0" err="1"/>
-              <a:t>por</a:t>
-            </a:r>
-            <a:r>
-              <a:rPr lang="en-US" b="1" dirty="0"/>
-              <a:t> </a:t>
-            </a:r>
-            <a:r>
-              <a:rPr lang="en-US" b="1" dirty="0" err="1"/>
-              <a:t>años</a:t>
-            </a:r>
-            <a:r>
-              <a:rPr lang="en-US" b="1" dirty="0"/>
-              <a:t> y </a:t>
-            </a:r>
-            <a:r>
-              <a:rPr lang="en-US" b="1" dirty="0" err="1"/>
-              <a:t>clases</a:t>
-            </a:r>
-            <a:endParaRPr lang="en-US" b="1" dirty="0"/>
-          </a:p>
-        </p:txBody>
-      </p:sp>
-      <p:sp>
-        <p:nvSpPr>
-          <p:cNvPr id="9" name="TextBox 8">
-            <a:extLst>
-              <a:ext uri="{FF2B5EF4-FFF2-40B4-BE49-F238E27FC236}">
-                <a16:creationId xmlns:a16="http://schemas.microsoft.com/office/drawing/2014/main" id="{DFEC0603-144D-1E1C-0483-1088B5429BCF}"/>
-              </a:ext>
-            </a:extLst>
-          </p:cNvPr>
-          <p:cNvSpPr txBox="1"/>
-          <p:nvPr/>
-        </p:nvSpPr>
-        <p:spPr>
-          <a:xfrm>
-            <a:off x="6800194" y="1690688"/>
-            <a:ext cx="4787462" cy="2031325"/>
-          </a:xfrm>
-          <a:prstGeom prst="rect">
-            <a:avLst/>
-          </a:prstGeom>
-          <a:noFill/>
-        </p:spPr>
-        <p:txBody>
-          <a:bodyPr wrap="square" rtlCol="0">
-            <a:spAutoFit/>
-          </a:bodyPr>
-          <a:lstStyle/>
-          <a:p>
-            <a:r>
-              <a:rPr lang="en-US" dirty="0"/>
-              <a:t>Si bien son </a:t>
-            </a:r>
-            <a:r>
-              <a:rPr lang="en-US" dirty="0" err="1"/>
-              <a:t>muchas</a:t>
-            </a:r>
-            <a:r>
-              <a:rPr lang="en-US" dirty="0"/>
-              <a:t> </a:t>
-            </a:r>
-            <a:r>
-              <a:rPr lang="en-US" dirty="0" err="1"/>
-              <a:t>clases</a:t>
-            </a:r>
-            <a:r>
-              <a:rPr lang="en-US" dirty="0"/>
-              <a:t>, lo </a:t>
-            </a:r>
-            <a:r>
-              <a:rPr lang="en-US" dirty="0" err="1"/>
-              <a:t>cual</a:t>
-            </a:r>
-            <a:r>
-              <a:rPr lang="en-US" dirty="0"/>
-              <a:t> </a:t>
-            </a:r>
-            <a:r>
-              <a:rPr lang="en-US" dirty="0" err="1"/>
-              <a:t>dificulta</a:t>
-            </a:r>
-            <a:r>
-              <a:rPr lang="en-US" dirty="0"/>
-              <a:t> </a:t>
-            </a:r>
-            <a:r>
-              <a:rPr lang="en-US" dirty="0" err="1"/>
-              <a:t>el</a:t>
-            </a:r>
-            <a:r>
-              <a:rPr lang="en-US" dirty="0"/>
-              <a:t> </a:t>
-            </a:r>
-            <a:r>
-              <a:rPr lang="en-US" dirty="0" err="1"/>
-              <a:t>entendimiento</a:t>
-            </a:r>
-            <a:r>
-              <a:rPr lang="en-US" dirty="0"/>
-              <a:t>, me </a:t>
-            </a:r>
-            <a:r>
-              <a:rPr lang="en-US" dirty="0" err="1"/>
-              <a:t>gusta</a:t>
-            </a:r>
-            <a:r>
-              <a:rPr lang="en-US" dirty="0"/>
-              <a:t> </a:t>
-            </a:r>
-            <a:r>
-              <a:rPr lang="en-US" dirty="0" err="1"/>
-              <a:t>como</a:t>
-            </a:r>
-            <a:r>
-              <a:rPr lang="en-US" dirty="0"/>
-              <a:t> la </a:t>
-            </a:r>
-            <a:r>
-              <a:rPr lang="en-US" dirty="0" err="1"/>
-              <a:t>distribución</a:t>
-            </a:r>
-            <a:r>
-              <a:rPr lang="en-US" dirty="0"/>
-              <a:t> de </a:t>
-            </a:r>
-            <a:r>
-              <a:rPr lang="en-US" dirty="0" err="1"/>
-              <a:t>los</a:t>
-            </a:r>
-            <a:r>
-              <a:rPr lang="en-US" dirty="0"/>
-              <a:t> </a:t>
-            </a:r>
-            <a:r>
-              <a:rPr lang="en-US" dirty="0" err="1"/>
-              <a:t>datos</a:t>
-            </a:r>
-            <a:r>
-              <a:rPr lang="en-US" dirty="0"/>
-              <a:t> y </a:t>
-            </a:r>
-            <a:r>
-              <a:rPr lang="en-US" dirty="0" err="1"/>
-              <a:t>su</a:t>
-            </a:r>
-            <a:r>
-              <a:rPr lang="en-US" dirty="0"/>
-              <a:t> </a:t>
-            </a:r>
-            <a:r>
-              <a:rPr lang="en-US" dirty="0" err="1"/>
-              <a:t>temporalidad</a:t>
-            </a:r>
-            <a:r>
-              <a:rPr lang="en-US" dirty="0"/>
-              <a:t> se </a:t>
-            </a:r>
-            <a:r>
-              <a:rPr lang="en-US" dirty="0" err="1"/>
-              <a:t>complementa</a:t>
-            </a:r>
-            <a:r>
-              <a:rPr lang="en-US" dirty="0"/>
-              <a:t> con </a:t>
-            </a:r>
-            <a:r>
-              <a:rPr lang="en-US" dirty="0" err="1"/>
-              <a:t>el</a:t>
-            </a:r>
-            <a:r>
-              <a:rPr lang="en-US" dirty="0"/>
-              <a:t> </a:t>
-            </a:r>
-            <a:r>
-              <a:rPr lang="en-US" dirty="0" err="1"/>
-              <a:t>mapa</a:t>
-            </a:r>
-            <a:r>
-              <a:rPr lang="en-US" dirty="0"/>
-              <a:t>.</a:t>
-            </a:r>
-          </a:p>
-          <a:p>
-            <a:endParaRPr lang="en-US" dirty="0"/>
-          </a:p>
-          <a:p>
-            <a:r>
-              <a:rPr lang="en-US" dirty="0" err="1"/>
-              <a:t>Aplicaría</a:t>
-            </a:r>
-            <a:r>
-              <a:rPr lang="en-US" dirty="0"/>
-              <a:t> algo similar para </a:t>
-            </a:r>
-            <a:r>
-              <a:rPr lang="en-US" dirty="0" err="1"/>
-              <a:t>explicar</a:t>
-            </a:r>
-            <a:r>
-              <a:rPr lang="en-US" dirty="0"/>
-              <a:t> mis </a:t>
-            </a:r>
-            <a:r>
-              <a:rPr lang="en-US" dirty="0" err="1"/>
-              <a:t>valores</a:t>
-            </a:r>
-            <a:r>
-              <a:rPr lang="en-US" dirty="0"/>
-              <a:t> NDVI</a:t>
-            </a:r>
-          </a:p>
-        </p:txBody>
-      </p:sp>
-    </p:spTree>
-    <p:extLst>
-      <p:ext uri="{BB962C8B-B14F-4D97-AF65-F5344CB8AC3E}">
-        <p14:creationId xmlns:p14="http://schemas.microsoft.com/office/powerpoint/2010/main" val="3923091112"/>
       </p:ext>
     </p:extLst>
   </p:cSld>
@@ -8305,10 +7858,10 @@
       </p:grpSpPr>
       <p:pic>
         <p:nvPicPr>
-          <p:cNvPr id="10" name="Picture 9">
-            <a:extLst>
-              <a:ext uri="{FF2B5EF4-FFF2-40B4-BE49-F238E27FC236}">
-                <a16:creationId xmlns:a16="http://schemas.microsoft.com/office/drawing/2014/main" id="{B9F85C22-F16A-2076-8329-DF4B0E4973E6}"/>
+          <p:cNvPr id="5" name="Picture 4">
+            <a:extLst>
+              <a:ext uri="{FF2B5EF4-FFF2-40B4-BE49-F238E27FC236}">
+                <a16:creationId xmlns:a16="http://schemas.microsoft.com/office/drawing/2014/main" id="{3C75DE83-4025-A5B2-1E6B-69349897D309}"/>
               </a:ext>
             </a:extLst>
           </p:cNvPr>
@@ -8325,20 +7878,99 @@
         </p:blipFill>
         <p:spPr>
           <a:xfrm>
-            <a:off x="629464" y="383628"/>
-            <a:ext cx="6856345" cy="6012968"/>
+            <a:off x="294627" y="1376063"/>
+            <a:ext cx="6925642" cy="4982270"/>
           </a:xfrm>
           <a:prstGeom prst="rect">
             <a:avLst/>
           </a:prstGeom>
         </p:spPr>
       </p:pic>
-      <p:sp>
-        <p:nvSpPr>
-          <p:cNvPr id="12" name="TextBox 11">
-            <a:extLst>
-              <a:ext uri="{FF2B5EF4-FFF2-40B4-BE49-F238E27FC236}">
-                <a16:creationId xmlns:a16="http://schemas.microsoft.com/office/drawing/2014/main" id="{EF75F401-415D-3573-A0DC-D3320EF3B0E6}"/>
+      <p:pic>
+        <p:nvPicPr>
+          <p:cNvPr id="7" name="Picture 6">
+            <a:extLst>
+              <a:ext uri="{FF2B5EF4-FFF2-40B4-BE49-F238E27FC236}">
+                <a16:creationId xmlns:a16="http://schemas.microsoft.com/office/drawing/2014/main" id="{C46D6F32-B8DA-9001-6414-530D971E0136}"/>
+              </a:ext>
+            </a:extLst>
+          </p:cNvPr>
+          <p:cNvPicPr>
+            <a:picLocks noChangeAspect="1"/>
+          </p:cNvPicPr>
+          <p:nvPr/>
+        </p:nvPicPr>
+        <p:blipFill>
+          <a:blip r:embed="rId3"/>
+          <a:stretch>
+            <a:fillRect/>
+          </a:stretch>
+        </p:blipFill>
+        <p:spPr>
+          <a:xfrm>
+            <a:off x="6688364" y="3783724"/>
+            <a:ext cx="5297829" cy="2611395"/>
+          </a:xfrm>
+          <a:prstGeom prst="rect">
+            <a:avLst/>
+          </a:prstGeom>
+        </p:spPr>
+      </p:pic>
+      <p:sp>
+        <p:nvSpPr>
+          <p:cNvPr id="8" name="Title 7">
+            <a:extLst>
+              <a:ext uri="{FF2B5EF4-FFF2-40B4-BE49-F238E27FC236}">
+                <a16:creationId xmlns:a16="http://schemas.microsoft.com/office/drawing/2014/main" id="{3CF5C933-A378-CF60-801F-5E65D261A974}"/>
+              </a:ext>
+            </a:extLst>
+          </p:cNvPr>
+          <p:cNvSpPr>
+            <a:spLocks noGrp="1"/>
+          </p:cNvSpPr>
+          <p:nvPr>
+            <p:ph type="title"/>
+          </p:nvPr>
+        </p:nvSpPr>
+        <p:spPr/>
+        <p:txBody>
+          <a:bodyPr/>
+          <a:lstStyle/>
+          <a:p>
+            <a:r>
+              <a:rPr lang="en-US" b="1" dirty="0"/>
+              <a:t>NDVI EDA </a:t>
+            </a:r>
+            <a:r>
+              <a:rPr lang="en-US" b="1" dirty="0" err="1"/>
+              <a:t>por</a:t>
+            </a:r>
+            <a:r>
+              <a:rPr lang="en-US" b="1" dirty="0"/>
+              <a:t> </a:t>
+            </a:r>
+            <a:r>
+              <a:rPr lang="en-US" b="1" dirty="0" err="1"/>
+              <a:t>años</a:t>
+            </a:r>
+            <a:r>
+              <a:rPr lang="en-US" b="1" dirty="0"/>
+              <a:t> y </a:t>
+            </a:r>
+            <a:r>
+              <a:rPr lang="en-US" b="1" dirty="0" err="1"/>
+              <a:t>clases</a:t>
+            </a:r>
+            <a:endParaRPr lang="en-US" b="1" dirty="0"/>
+          </a:p>
+        </p:txBody>
+      </p:sp>
+      <p:sp>
+        <p:nvSpPr>
+          <p:cNvPr id="9" name="TextBox 8">
+            <a:extLst>
+              <a:ext uri="{FF2B5EF4-FFF2-40B4-BE49-F238E27FC236}">
+                <a16:creationId xmlns:a16="http://schemas.microsoft.com/office/drawing/2014/main" id="{DFEC0603-144D-1E1C-0483-1088B5429BCF}"/>
               </a:ext>
             </a:extLst>
           </p:cNvPr>
@@ -8347,8 +7979,8 @@
         </p:nvSpPr>
         <p:spPr>
           <a:xfrm>
-            <a:off x="7089227" y="2668150"/>
-            <a:ext cx="4787462" cy="923330"/>
+            <a:off x="6800194" y="1690688"/>
+            <a:ext cx="4787462" cy="2031325"/>
           </a:xfrm>
           <a:prstGeom prst="rect">
             <a:avLst/>
@@ -8363,7 +7995,55 @@
           <a:p>
             <a:r>
               <a:rPr lang="en-US" dirty="0"/>
-              <a:t>Me </a:t>
+              <a:t>Si bien son </a:t>
+            </a:r>
+            <a:r>
+              <a:rPr lang="en-US" dirty="0" err="1"/>
+              <a:t>muchas</a:t>
+            </a:r>
+            <a:r>
+              <a:rPr lang="en-US" dirty="0"/>
+              <a:t> </a:t>
+            </a:r>
+            <a:r>
+              <a:rPr lang="en-US" dirty="0" err="1"/>
+              <a:t>clases</a:t>
+            </a:r>
+            <a:r>
+              <a:rPr lang="en-US" dirty="0"/>
+              <a:t>, lo </a:t>
+            </a:r>
+            <a:r>
+              <a:rPr lang="en-US" dirty="0" err="1"/>
+              <a:t>cual</a:t>
+            </a:r>
+            <a:r>
+              <a:rPr lang="en-US" dirty="0"/>
+              <a:t> </a:t>
+            </a:r>
+            <a:r>
+              <a:rPr lang="en-US" dirty="0" err="1"/>
+              <a:t>dificulta</a:t>
+            </a:r>
+            <a:r>
+              <a:rPr lang="en-US" dirty="0"/>
+              <a:t> </a:t>
+            </a:r>
+            <a:r>
+              <a:rPr lang="en-US" dirty="0" err="1"/>
+              <a:t>el</a:t>
+            </a:r>
+            <a:r>
+              <a:rPr lang="en-US" dirty="0"/>
+              <a:t> </a:t>
+            </a:r>
+            <a:r>
+              <a:rPr lang="en-US" dirty="0" err="1"/>
+              <a:t>entendimiento</a:t>
+            </a:r>
+            <a:r>
+              <a:rPr lang="en-US" dirty="0"/>
+              <a:t>, me </a:t>
             </a:r>
             <a:r>
               <a:rPr lang="en-US" dirty="0" err="1"/>
@@ -8375,6 +8055,22 @@
             </a:r>
             <a:r>
               <a:rPr lang="en-US" dirty="0" err="1"/>
+              <a:t>como</a:t>
+            </a:r>
+            <a:r>
+              <a:rPr lang="en-US" dirty="0"/>
+              <a:t> la </a:t>
+            </a:r>
+            <a:r>
+              <a:rPr lang="en-US" dirty="0" err="1"/>
+              <a:t>distribución</a:t>
+            </a:r>
+            <a:r>
+              <a:rPr lang="en-US" dirty="0"/>
+              <a:t> de </a:t>
+            </a:r>
+            <a:r>
+              <a:rPr lang="en-US" dirty="0" err="1"/>
               <a:t>los</a:t>
             </a:r>
             <a:r>
@@ -8383,7 +8079,15 @@
             </a:r>
             <a:r>
               <a:rPr lang="en-US" dirty="0" err="1"/>
-              <a:t>colores</a:t>
+              <a:t>datos</a:t>
+            </a:r>
+            <a:r>
+              <a:rPr lang="en-US" dirty="0"/>
+              <a:t> y </a:t>
+            </a:r>
+            <a:r>
+              <a:rPr lang="en-US" dirty="0" err="1"/>
+              <a:t>su</a:t>
             </a:r>
             <a:r>
               <a:rPr lang="en-US" dirty="0"/>
@@ -8391,23 +8095,23 @@
             </a:r>
             <a:r>
               <a:rPr lang="en-US" dirty="0" err="1"/>
-              <a:t>en</a:t>
+              <a:t>temporalidad</a:t>
             </a:r>
             <a:r>
               <a:rPr lang="en-US" dirty="0"/>
-              <a:t> degrades. La </a:t>
+              <a:t> se </a:t>
             </a:r>
             <a:r>
               <a:rPr lang="en-US" dirty="0" err="1"/>
-              <a:t>simpleza</a:t>
+              <a:t>complementa</a:t>
             </a:r>
             <a:r>
               <a:rPr lang="en-US" dirty="0"/>
-              <a:t>, </a:t>
+              <a:t> con </a:t>
             </a:r>
             <a:r>
               <a:rPr lang="en-US" dirty="0" err="1"/>
-              <a:t>este</a:t>
+              <a:t>el</a:t>
             </a:r>
             <a:r>
               <a:rPr lang="en-US" dirty="0"/>
@@ -8415,35 +8119,40 @@
             </a:r>
             <a:r>
               <a:rPr lang="en-US" dirty="0" err="1"/>
-              <a:t>formato</a:t>
+              <a:t>mapa</a:t>
             </a:r>
             <a:r>
               <a:rPr lang="en-US" dirty="0"/>
-              <a:t> lo </a:t>
-            </a:r>
+              <a:t>.</a:t>
+            </a:r>
+          </a:p>
+          <a:p>
+            <a:endParaRPr lang="en-US" dirty="0"/>
+          </a:p>
+          <a:p>
             <a:r>
               <a:rPr lang="en-US" dirty="0" err="1"/>
-              <a:t>complementaría</a:t>
+              <a:t>Aplicaría</a:t>
             </a:r>
             <a:r>
               <a:rPr lang="en-US" dirty="0"/>
-              <a:t> con </a:t>
+              <a:t> algo similar para </a:t>
             </a:r>
             <a:r>
               <a:rPr lang="en-US" dirty="0" err="1"/>
-              <a:t>el</a:t>
+              <a:t>explicar</a:t>
             </a:r>
             <a:r>
               <a:rPr lang="en-US" dirty="0"/>
-              <a:t> </a:t>
+              <a:t> mis </a:t>
             </a:r>
             <a:r>
               <a:rPr lang="en-US" dirty="0" err="1"/>
-              <a:t>mapa</a:t>
+              <a:t>valores</a:t>
             </a:r>
             <a:r>
               <a:rPr lang="en-US" dirty="0"/>
-              <a:t> anterior. </a:t>
+              <a:t> NDVI</a:t>
             </a:r>
           </a:p>
         </p:txBody>
@@ -8451,7 +8160,7 @@
     </p:spTree>
     <p:extLst>
       <p:ext uri="{BB962C8B-B14F-4D97-AF65-F5344CB8AC3E}">
-        <p14:creationId xmlns:p14="http://schemas.microsoft.com/office/powerpoint/2010/main" val="898322162"/>
+        <p14:creationId xmlns:p14="http://schemas.microsoft.com/office/powerpoint/2010/main" val="3923091112"/>
       </p:ext>
     </p:extLst>
   </p:cSld>
@@ -8478,41 +8187,12 @@
           <a:chExt cx="0" cy="0"/>
         </a:xfrm>
       </p:grpSpPr>
-      <p:sp>
-        <p:nvSpPr>
-          <p:cNvPr id="2" name="Title 1">
-            <a:extLst>
-              <a:ext uri="{FF2B5EF4-FFF2-40B4-BE49-F238E27FC236}">
-                <a16:creationId xmlns:a16="http://schemas.microsoft.com/office/drawing/2014/main" id="{65790DFB-C68F-289B-9F84-F747A8647CFE}"/>
-              </a:ext>
-            </a:extLst>
-          </p:cNvPr>
-          <p:cNvSpPr>
-            <a:spLocks noGrp="1"/>
-          </p:cNvSpPr>
-          <p:nvPr>
-            <p:ph type="title"/>
-          </p:nvPr>
-        </p:nvSpPr>
-        <p:spPr/>
-        <p:txBody>
-          <a:bodyPr/>
-          <a:lstStyle/>
-          <a:p>
-            <a:r>
-              <a:rPr lang="en-US" b="1" dirty="0" err="1"/>
-              <a:t>Fenología</a:t>
-            </a:r>
-            <a:endParaRPr lang="en-US" b="1" dirty="0"/>
-          </a:p>
-        </p:txBody>
-      </p:sp>
       <p:pic>
         <p:nvPicPr>
-          <p:cNvPr id="5" name="Picture 4">
-            <a:extLst>
-              <a:ext uri="{FF2B5EF4-FFF2-40B4-BE49-F238E27FC236}">
-                <a16:creationId xmlns:a16="http://schemas.microsoft.com/office/drawing/2014/main" id="{B0ED449A-4275-143F-CE2E-638A058F15B8}"/>
+          <p:cNvPr id="10" name="Picture 9">
+            <a:extLst>
+              <a:ext uri="{FF2B5EF4-FFF2-40B4-BE49-F238E27FC236}">
+                <a16:creationId xmlns:a16="http://schemas.microsoft.com/office/drawing/2014/main" id="{B9F85C22-F16A-2076-8329-DF4B0E4973E6}"/>
               </a:ext>
             </a:extLst>
           </p:cNvPr>
@@ -8529,8 +8209,8 @@
         </p:blipFill>
         <p:spPr>
           <a:xfrm>
-            <a:off x="838200" y="1385471"/>
-            <a:ext cx="7409688" cy="4913793"/>
+            <a:off x="629464" y="383628"/>
+            <a:ext cx="6856345" cy="6012968"/>
           </a:xfrm>
           <a:prstGeom prst="rect">
             <a:avLst/>
@@ -8539,10 +8219,10 @@
       </p:pic>
       <p:sp>
         <p:nvSpPr>
-          <p:cNvPr id="6" name="TextBox 5">
-            <a:extLst>
-              <a:ext uri="{FF2B5EF4-FFF2-40B4-BE49-F238E27FC236}">
-                <a16:creationId xmlns:a16="http://schemas.microsoft.com/office/drawing/2014/main" id="{68F1E082-C0B7-D32C-D167-DCEAA11E931A}"/>
+          <p:cNvPr id="12" name="TextBox 11">
+            <a:extLst>
+              <a:ext uri="{FF2B5EF4-FFF2-40B4-BE49-F238E27FC236}">
+                <a16:creationId xmlns:a16="http://schemas.microsoft.com/office/drawing/2014/main" id="{EF75F401-415D-3573-A0DC-D3320EF3B0E6}"/>
               </a:ext>
             </a:extLst>
           </p:cNvPr>
@@ -8551,8 +8231,8 @@
         </p:nvSpPr>
         <p:spPr>
           <a:xfrm>
-            <a:off x="7593631" y="2360075"/>
-            <a:ext cx="4503990" cy="1200329"/>
+            <a:off x="7089227" y="2668150"/>
+            <a:ext cx="4787462" cy="923330"/>
           </a:xfrm>
           <a:prstGeom prst="rect">
             <a:avLst/>
@@ -8560,7 +8240,7 @@
           <a:noFill/>
         </p:spPr>
         <p:txBody>
-          <a:bodyPr wrap="none" rtlCol="0">
+          <a:bodyPr wrap="square" rtlCol="0">
             <a:spAutoFit/>
           </a:bodyPr>
           <a:lstStyle/>
@@ -8579,7 +8259,7 @@
             </a:r>
             <a:r>
               <a:rPr lang="en-US" dirty="0" err="1"/>
-              <a:t>porque</a:t>
+              <a:t>los</a:t>
             </a:r>
             <a:r>
               <a:rPr lang="en-US" dirty="0"/>
@@ -8587,95 +8267,75 @@
             </a:r>
             <a:r>
               <a:rPr lang="en-US" dirty="0" err="1"/>
-              <a:t>resalta</a:t>
-            </a:r>
-            <a:r>
-              <a:rPr lang="en-US" dirty="0"/>
-              <a:t> la </a:t>
-            </a:r>
-            <a:r>
-              <a:rPr lang="en-US" dirty="0" err="1"/>
-              <a:t>temporada</a:t>
-            </a:r>
-            <a:endParaRPr lang="en-US" dirty="0"/>
-          </a:p>
-          <a:p>
-            <a:r>
-              <a:rPr lang="en-US" dirty="0"/>
-              <a:t>De “</a:t>
-            </a:r>
-            <a:r>
-              <a:rPr lang="en-US" dirty="0" err="1"/>
-              <a:t>reverdecimiento</a:t>
-            </a:r>
-            <a:r>
-              <a:rPr lang="en-US" dirty="0"/>
-              <a:t>” </a:t>
-            </a:r>
-            <a:r>
-              <a:rPr lang="en-US" dirty="0" err="1"/>
-              <a:t>asociado</a:t>
-            </a:r>
-            <a:r>
-              <a:rPr lang="en-US" dirty="0"/>
-              <a:t> al </a:t>
-            </a:r>
-            <a:r>
-              <a:rPr lang="en-US" dirty="0" err="1"/>
-              <a:t>aumento</a:t>
+              <a:t>colores</a:t>
             </a:r>
             <a:r>
               <a:rPr lang="en-US" dirty="0"/>
               <a:t> </a:t>
             </a:r>
-          </a:p>
-          <a:p>
+            <a:r>
+              <a:rPr lang="en-US" dirty="0" err="1"/>
+              <a:t>en</a:t>
+            </a:r>
             <a:r>
               <a:rPr lang="en-US" dirty="0"/>
-              <a:t>de </a:t>
+              <a:t> degrades. La </a:t>
             </a:r>
             <a:r>
               <a:rPr lang="en-US" dirty="0" err="1"/>
-              <a:t>productividad</a:t>
+              <a:t>simpleza</a:t>
             </a:r>
             <a:r>
               <a:rPr lang="en-US" dirty="0"/>
-              <a:t>. </a:t>
-            </a:r>
-          </a:p>
-          <a:p>
+              <a:t>, </a:t>
+            </a:r>
+            <a:r>
+              <a:rPr lang="en-US" dirty="0" err="1"/>
+              <a:t>este</a:t>
+            </a:r>
             <a:r>
               <a:rPr lang="en-US" dirty="0"/>
-              <a:t>Para </a:t>
+              <a:t> </a:t>
             </a:r>
             <a:r>
               <a:rPr lang="en-US" dirty="0" err="1"/>
-              <a:t>fenología</a:t>
+              <a:t>formato</a:t>
             </a:r>
             <a:r>
               <a:rPr lang="en-US" dirty="0"/>
-              <a:t> me </a:t>
+              <a:t> lo </a:t>
             </a:r>
             <a:r>
               <a:rPr lang="en-US" dirty="0" err="1"/>
-              <a:t>parece</a:t>
+              <a:t>complementaría</a:t>
             </a:r>
             <a:r>
               <a:rPr lang="en-US" dirty="0"/>
-              <a:t> my </a:t>
+              <a:t> con </a:t>
             </a:r>
             <a:r>
               <a:rPr lang="en-US" dirty="0" err="1"/>
-              <a:t>útil</a:t>
-            </a:r>
-            <a:endParaRPr lang="en-US" dirty="0"/>
+              <a:t>el</a:t>
+            </a:r>
+            <a:r>
+              <a:rPr lang="en-US" dirty="0"/>
+              <a:t> </a:t>
+            </a:r>
+            <a:r>
+              <a:rPr lang="en-US" dirty="0" err="1"/>
+              <a:t>mapa</a:t>
+            </a:r>
+            <a:r>
+              <a:rPr lang="en-US" dirty="0"/>
+              <a:t> anterior. </a:t>
+            </a:r>
           </a:p>
         </p:txBody>
       </p:sp>
     </p:spTree>
     <p:extLst>
       <p:ext uri="{BB962C8B-B14F-4D97-AF65-F5344CB8AC3E}">
-        <p14:creationId xmlns:p14="http://schemas.microsoft.com/office/powerpoint/2010/main" val="1004727235"/>
+        <p14:creationId xmlns:p14="http://schemas.microsoft.com/office/powerpoint/2010/main" val="898322162"/>
       </p:ext>
     </p:extLst>
   </p:cSld>

--- a/diagrama-trabajo.pptx
+++ b/diagrama-trabajo.pptx
@@ -130,611 +130,216 @@
   <pc:docChgLst>
     <pc:chgData name="Constanza Valentina Hernández Sánchez" userId="655fa2ff-6cbe-4d8d-a27f-9cd900f48405" providerId="ADAL" clId="{B28C049A-CADF-4BA4-9E68-8F7F117939E2}"/>
     <pc:docChg chg="undo custSel addSld delSld modSld sldOrd">
-      <pc:chgData name="Constanza Valentina Hernández Sánchez" userId="655fa2ff-6cbe-4d8d-a27f-9cd900f48405" providerId="ADAL" clId="{B28C049A-CADF-4BA4-9E68-8F7F117939E2}" dt="2025-10-20T18:25:21.021" v="3095" actId="680"/>
+      <pc:chgData name="Constanza Valentina Hernández Sánchez" userId="655fa2ff-6cbe-4d8d-a27f-9cd900f48405" providerId="ADAL" clId="{B28C049A-CADF-4BA4-9E68-8F7F117939E2}" dt="2025-11-28T12:52:23.251" v="3257" actId="20577"/>
       <pc:docMkLst>
         <pc:docMk/>
       </pc:docMkLst>
       <pc:sldChg chg="addSp delSp modSp new mod">
-        <pc:chgData name="Constanza Valentina Hernández Sánchez" userId="655fa2ff-6cbe-4d8d-a27f-9cd900f48405" providerId="ADAL" clId="{B28C049A-CADF-4BA4-9E68-8F7F117939E2}" dt="2025-10-20T16:54:51.036" v="3094" actId="6549"/>
+        <pc:chgData name="Constanza Valentina Hernández Sánchez" userId="655fa2ff-6cbe-4d8d-a27f-9cd900f48405" providerId="ADAL" clId="{B28C049A-CADF-4BA4-9E68-8F7F117939E2}" dt="2025-11-28T12:52:23.251" v="3257" actId="20577"/>
         <pc:sldMkLst>
           <pc:docMk/>
           <pc:sldMk cId="2791960054" sldId="256"/>
         </pc:sldMkLst>
         <pc:spChg chg="add mod">
-          <ac:chgData name="Constanza Valentina Hernández Sánchez" userId="655fa2ff-6cbe-4d8d-a27f-9cd900f48405" providerId="ADAL" clId="{B28C049A-CADF-4BA4-9E68-8F7F117939E2}" dt="2025-10-13T03:36:32.166" v="2991" actId="14100"/>
+          <ac:chgData name="Constanza Valentina Hernández Sánchez" userId="655fa2ff-6cbe-4d8d-a27f-9cd900f48405" providerId="ADAL" clId="{B28C049A-CADF-4BA4-9E68-8F7F117939E2}" dt="2025-11-28T12:52:00.522" v="3243" actId="113"/>
           <ac:spMkLst>
             <pc:docMk/>
             <pc:sldMk cId="2791960054" sldId="256"/>
             <ac:spMk id="2" creationId="{97CD8587-9D7F-66E5-B221-FF50C926DFD3}"/>
           </ac:spMkLst>
         </pc:spChg>
-        <pc:spChg chg="add mod">
-          <ac:chgData name="Constanza Valentina Hernández Sánchez" userId="655fa2ff-6cbe-4d8d-a27f-9cd900f48405" providerId="ADAL" clId="{B28C049A-CADF-4BA4-9E68-8F7F117939E2}" dt="2025-10-13T03:34:41.900" v="2973" actId="1076"/>
+        <pc:spChg chg="mod">
+          <ac:chgData name="Constanza Valentina Hernández Sánchez" userId="655fa2ff-6cbe-4d8d-a27f-9cd900f48405" providerId="ADAL" clId="{B28C049A-CADF-4BA4-9E68-8F7F117939E2}" dt="2025-11-28T12:51:09.543" v="3206" actId="20577"/>
           <ac:spMkLst>
             <pc:docMk/>
             <pc:sldMk cId="2791960054" sldId="256"/>
             <ac:spMk id="3" creationId="{E03487E2-F84B-8AAE-1917-20394B7727CB}"/>
           </ac:spMkLst>
         </pc:spChg>
-        <pc:spChg chg="add mod">
-          <ac:chgData name="Constanza Valentina Hernández Sánchez" userId="655fa2ff-6cbe-4d8d-a27f-9cd900f48405" providerId="ADAL" clId="{B28C049A-CADF-4BA4-9E68-8F7F117939E2}" dt="2025-10-13T02:14:38.123" v="1413" actId="1076"/>
-          <ac:spMkLst>
-            <pc:docMk/>
-            <pc:sldMk cId="2791960054" sldId="256"/>
-            <ac:spMk id="4" creationId="{BE7FE0AD-FA89-5965-D1BC-6EACCACBEDAB}"/>
-          </ac:spMkLst>
-        </pc:spChg>
-        <pc:spChg chg="add mod">
-          <ac:chgData name="Constanza Valentina Hernández Sánchez" userId="655fa2ff-6cbe-4d8d-a27f-9cd900f48405" providerId="ADAL" clId="{B28C049A-CADF-4BA4-9E68-8F7F117939E2}" dt="2025-10-13T02:19:31.979" v="1494" actId="1076"/>
-          <ac:spMkLst>
-            <pc:docMk/>
-            <pc:sldMk cId="2791960054" sldId="256"/>
-            <ac:spMk id="5" creationId="{3B0CFAC0-C1C9-A7FE-EAFA-026424149065}"/>
-          </ac:spMkLst>
-        </pc:spChg>
-        <pc:spChg chg="add mod">
-          <ac:chgData name="Constanza Valentina Hernández Sánchez" userId="655fa2ff-6cbe-4d8d-a27f-9cd900f48405" providerId="ADAL" clId="{B28C049A-CADF-4BA4-9E68-8F7F117939E2}" dt="2025-10-13T02:21:02.927" v="1519" actId="1076"/>
-          <ac:spMkLst>
-            <pc:docMk/>
-            <pc:sldMk cId="2791960054" sldId="256"/>
-            <ac:spMk id="6" creationId="{A5B32FE4-FEE0-C510-4F75-5BB8F89DFB51}"/>
-          </ac:spMkLst>
-        </pc:spChg>
-        <pc:spChg chg="add mod">
-          <ac:chgData name="Constanza Valentina Hernández Sánchez" userId="655fa2ff-6cbe-4d8d-a27f-9cd900f48405" providerId="ADAL" clId="{B28C049A-CADF-4BA4-9E68-8F7F117939E2}" dt="2025-10-13T02:19:31.979" v="1494" actId="1076"/>
-          <ac:spMkLst>
-            <pc:docMk/>
-            <pc:sldMk cId="2791960054" sldId="256"/>
-            <ac:spMk id="7" creationId="{6ECF6AEC-9BE1-CA83-74DF-688EB69AE830}"/>
-          </ac:spMkLst>
-        </pc:spChg>
-        <pc:spChg chg="add mod">
-          <ac:chgData name="Constanza Valentina Hernández Sánchez" userId="655fa2ff-6cbe-4d8d-a27f-9cd900f48405" providerId="ADAL" clId="{B28C049A-CADF-4BA4-9E68-8F7F117939E2}" dt="2025-10-13T02:19:31.979" v="1494" actId="1076"/>
-          <ac:spMkLst>
-            <pc:docMk/>
-            <pc:sldMk cId="2791960054" sldId="256"/>
-            <ac:spMk id="8" creationId="{281E4508-5805-F3A0-3D93-4C6854B998D9}"/>
-          </ac:spMkLst>
-        </pc:spChg>
-        <pc:spChg chg="add mod">
-          <ac:chgData name="Constanza Valentina Hernández Sánchez" userId="655fa2ff-6cbe-4d8d-a27f-9cd900f48405" providerId="ADAL" clId="{B28C049A-CADF-4BA4-9E68-8F7F117939E2}" dt="2025-10-20T16:54:51.036" v="3094" actId="6549"/>
+        <pc:spChg chg="mod">
+          <ac:chgData name="Constanza Valentina Hernández Sánchez" userId="655fa2ff-6cbe-4d8d-a27f-9cd900f48405" providerId="ADAL" clId="{B28C049A-CADF-4BA4-9E68-8F7F117939E2}" dt="2025-11-28T12:49:53.145" v="3163" actId="20577"/>
           <ac:spMkLst>
             <pc:docMk/>
             <pc:sldMk cId="2791960054" sldId="256"/>
             <ac:spMk id="9" creationId="{589D31CF-F2DF-285E-EC82-C950C91BAC8C}"/>
           </ac:spMkLst>
         </pc:spChg>
-        <pc:spChg chg="add mod">
-          <ac:chgData name="Constanza Valentina Hernández Sánchez" userId="655fa2ff-6cbe-4d8d-a27f-9cd900f48405" providerId="ADAL" clId="{B28C049A-CADF-4BA4-9E68-8F7F117939E2}" dt="2025-10-13T03:34:41.900" v="2973" actId="1076"/>
+        <pc:spChg chg="mod">
+          <ac:chgData name="Constanza Valentina Hernández Sánchez" userId="655fa2ff-6cbe-4d8d-a27f-9cd900f48405" providerId="ADAL" clId="{B28C049A-CADF-4BA4-9E68-8F7F117939E2}" dt="2025-11-28T12:51:48.101" v="3242" actId="20577"/>
           <ac:spMkLst>
             <pc:docMk/>
             <pc:sldMk cId="2791960054" sldId="256"/>
             <ac:spMk id="10" creationId="{4FFC8522-CA44-DF5F-358F-5865252E2327}"/>
           </ac:spMkLst>
         </pc:spChg>
-        <pc:spChg chg="add mod">
-          <ac:chgData name="Constanza Valentina Hernández Sánchez" userId="655fa2ff-6cbe-4d8d-a27f-9cd900f48405" providerId="ADAL" clId="{B28C049A-CADF-4BA4-9E68-8F7F117939E2}" dt="2025-10-13T03:34:41.900" v="2973" actId="1076"/>
+        <pc:spChg chg="mod">
+          <ac:chgData name="Constanza Valentina Hernández Sánchez" userId="655fa2ff-6cbe-4d8d-a27f-9cd900f48405" providerId="ADAL" clId="{B28C049A-CADF-4BA4-9E68-8F7F117939E2}" dt="2025-11-28T12:48:36.062" v="3126" actId="6549"/>
           <ac:spMkLst>
             <pc:docMk/>
             <pc:sldMk cId="2791960054" sldId="256"/>
             <ac:spMk id="11" creationId="{A18774F0-7C4E-6ADE-234B-3365B90D7027}"/>
           </ac:spMkLst>
         </pc:spChg>
-        <pc:spChg chg="add mod">
-          <ac:chgData name="Constanza Valentina Hernández Sánchez" userId="655fa2ff-6cbe-4d8d-a27f-9cd900f48405" providerId="ADAL" clId="{B28C049A-CADF-4BA4-9E68-8F7F117939E2}" dt="2025-10-13T03:34:41.900" v="2973" actId="1076"/>
-          <ac:spMkLst>
-            <pc:docMk/>
-            <pc:sldMk cId="2791960054" sldId="256"/>
-            <ac:spMk id="12" creationId="{4FDC81B3-C747-FAAF-BF91-59ECCBA6E9AE}"/>
-          </ac:spMkLst>
-        </pc:spChg>
-        <pc:spChg chg="add mod">
-          <ac:chgData name="Constanza Valentina Hernández Sánchez" userId="655fa2ff-6cbe-4d8d-a27f-9cd900f48405" providerId="ADAL" clId="{B28C049A-CADF-4BA4-9E68-8F7F117939E2}" dt="2025-10-13T02:17:16.741" v="1471" actId="693"/>
-          <ac:spMkLst>
-            <pc:docMk/>
-            <pc:sldMk cId="2791960054" sldId="256"/>
-            <ac:spMk id="13" creationId="{8FA5E596-235D-4733-5C37-7629117F3B19}"/>
-          </ac:spMkLst>
-        </pc:spChg>
-        <pc:spChg chg="add mod">
-          <ac:chgData name="Constanza Valentina Hernández Sánchez" userId="655fa2ff-6cbe-4d8d-a27f-9cd900f48405" providerId="ADAL" clId="{B28C049A-CADF-4BA4-9E68-8F7F117939E2}" dt="2025-10-13T02:22:09.508" v="1539" actId="1076"/>
+        <pc:spChg chg="del mod">
+          <ac:chgData name="Constanza Valentina Hernández Sánchez" userId="655fa2ff-6cbe-4d8d-a27f-9cd900f48405" providerId="ADAL" clId="{B28C049A-CADF-4BA4-9E68-8F7F117939E2}" dt="2025-11-28T12:49:46.957" v="3144" actId="478"/>
           <ac:spMkLst>
             <pc:docMk/>
             <pc:sldMk cId="2791960054" sldId="256"/>
             <ac:spMk id="14" creationId="{9510C319-B797-C423-C08F-2C891F094D8B}"/>
           </ac:spMkLst>
         </pc:spChg>
-        <pc:spChg chg="add mod">
-          <ac:chgData name="Constanza Valentina Hernández Sánchez" userId="655fa2ff-6cbe-4d8d-a27f-9cd900f48405" providerId="ADAL" clId="{B28C049A-CADF-4BA4-9E68-8F7F117939E2}" dt="2025-10-13T03:38:34.560" v="3018" actId="20577"/>
-          <ac:spMkLst>
-            <pc:docMk/>
-            <pc:sldMk cId="2791960054" sldId="256"/>
-            <ac:spMk id="16" creationId="{A7CEE807-D10A-D978-5F13-17ADBE694628}"/>
-          </ac:spMkLst>
-        </pc:spChg>
-        <pc:spChg chg="add mod">
-          <ac:chgData name="Constanza Valentina Hernández Sánchez" userId="655fa2ff-6cbe-4d8d-a27f-9cd900f48405" providerId="ADAL" clId="{B28C049A-CADF-4BA4-9E68-8F7F117939E2}" dt="2025-10-13T03:34:41.900" v="2973" actId="1076"/>
+        <pc:spChg chg="del">
+          <ac:chgData name="Constanza Valentina Hernández Sánchez" userId="655fa2ff-6cbe-4d8d-a27f-9cd900f48405" providerId="ADAL" clId="{B28C049A-CADF-4BA4-9E68-8F7F117939E2}" dt="2025-11-28T12:49:06.293" v="3132" actId="478"/>
           <ac:spMkLst>
             <pc:docMk/>
             <pc:sldMk cId="2791960054" sldId="256"/>
             <ac:spMk id="17" creationId="{7CDBA6BF-E51C-4553-57BE-C59801314276}"/>
           </ac:spMkLst>
         </pc:spChg>
-        <pc:spChg chg="add mod">
-          <ac:chgData name="Constanza Valentina Hernández Sánchez" userId="655fa2ff-6cbe-4d8d-a27f-9cd900f48405" providerId="ADAL" clId="{B28C049A-CADF-4BA4-9E68-8F7F117939E2}" dt="2025-10-13T03:36:20.328" v="2990" actId="1076"/>
+        <pc:spChg chg="del mod">
+          <ac:chgData name="Constanza Valentina Hernández Sánchez" userId="655fa2ff-6cbe-4d8d-a27f-9cd900f48405" providerId="ADAL" clId="{B28C049A-CADF-4BA4-9E68-8F7F117939E2}" dt="2025-11-28T12:51:30.338" v="3228" actId="478"/>
           <ac:spMkLst>
             <pc:docMk/>
             <pc:sldMk cId="2791960054" sldId="256"/>
             <ac:spMk id="18" creationId="{CF0CEF1C-B06E-ECEF-614A-6A4FD34ACC77}"/>
           </ac:spMkLst>
         </pc:spChg>
-        <pc:spChg chg="add mod">
-          <ac:chgData name="Constanza Valentina Hernández Sánchez" userId="655fa2ff-6cbe-4d8d-a27f-9cd900f48405" providerId="ADAL" clId="{B28C049A-CADF-4BA4-9E68-8F7F117939E2}" dt="2025-10-13T02:22:59.237" v="1553" actId="1076"/>
+        <pc:spChg chg="mod">
+          <ac:chgData name="Constanza Valentina Hernández Sánchez" userId="655fa2ff-6cbe-4d8d-a27f-9cd900f48405" providerId="ADAL" clId="{B28C049A-CADF-4BA4-9E68-8F7F117939E2}" dt="2025-11-28T12:52:23.251" v="3257" actId="20577"/>
           <ac:spMkLst>
             <pc:docMk/>
             <pc:sldMk cId="2791960054" sldId="256"/>
             <ac:spMk id="20" creationId="{4604D02A-5D8C-C7C7-3F8F-3102C27FE88A}"/>
           </ac:spMkLst>
         </pc:spChg>
-        <pc:spChg chg="add mod">
-          <ac:chgData name="Constanza Valentina Hernández Sánchez" userId="655fa2ff-6cbe-4d8d-a27f-9cd900f48405" providerId="ADAL" clId="{B28C049A-CADF-4BA4-9E68-8F7F117939E2}" dt="2025-10-13T03:36:03.708" v="2986" actId="108"/>
-          <ac:spMkLst>
+        <pc:cxnChg chg="add mod">
+          <ac:chgData name="Constanza Valentina Hernández Sánchez" userId="655fa2ff-6cbe-4d8d-a27f-9cd900f48405" providerId="ADAL" clId="{B28C049A-CADF-4BA4-9E68-8F7F117939E2}" dt="2025-11-28T12:49:20.102" v="3137" actId="13822"/>
+          <ac:cxnSpMkLst>
             <pc:docMk/>
             <pc:sldMk cId="2791960054" sldId="256"/>
-            <ac:spMk id="23" creationId="{6E08E71C-81B4-39E0-F04C-D279C3E1AB5E}"/>
-          </ac:spMkLst>
-        </pc:spChg>
-        <pc:spChg chg="add mod">
-          <ac:chgData name="Constanza Valentina Hernández Sánchez" userId="655fa2ff-6cbe-4d8d-a27f-9cd900f48405" providerId="ADAL" clId="{B28C049A-CADF-4BA4-9E68-8F7F117939E2}" dt="2025-10-13T03:35:56.523" v="2984" actId="108"/>
-          <ac:spMkLst>
+            <ac:cxnSpMk id="19" creationId="{3C7F34E1-1D4F-207D-A32C-929073AA85BA}"/>
+          </ac:cxnSpMkLst>
+        </pc:cxnChg>
+        <pc:cxnChg chg="add mod">
+          <ac:chgData name="Constanza Valentina Hernández Sánchez" userId="655fa2ff-6cbe-4d8d-a27f-9cd900f48405" providerId="ADAL" clId="{B28C049A-CADF-4BA4-9E68-8F7F117939E2}" dt="2025-11-28T12:49:26.235" v="3139" actId="13822"/>
+          <ac:cxnSpMkLst>
             <pc:docMk/>
             <pc:sldMk cId="2791960054" sldId="256"/>
-            <ac:spMk id="24" creationId="{24D44854-2259-6D4C-587D-AE0CD865F9E4}"/>
-          </ac:spMkLst>
-        </pc:spChg>
-        <pc:spChg chg="add mod">
-          <ac:chgData name="Constanza Valentina Hernández Sánchez" userId="655fa2ff-6cbe-4d8d-a27f-9cd900f48405" providerId="ADAL" clId="{B28C049A-CADF-4BA4-9E68-8F7F117939E2}" dt="2025-10-13T02:21:02.927" v="1519" actId="1076"/>
-          <ac:spMkLst>
-            <pc:docMk/>
-            <pc:sldMk cId="2791960054" sldId="256"/>
-            <ac:spMk id="92" creationId="{E89C8409-ACCE-3F03-02F2-0D7AD90B5E28}"/>
-          </ac:spMkLst>
-        </pc:spChg>
-        <pc:spChg chg="add mod">
-          <ac:chgData name="Constanza Valentina Hernández Sánchez" userId="655fa2ff-6cbe-4d8d-a27f-9cd900f48405" providerId="ADAL" clId="{B28C049A-CADF-4BA4-9E68-8F7F117939E2}" dt="2025-10-13T03:35:53.094" v="2983" actId="208"/>
-          <ac:spMkLst>
-            <pc:docMk/>
-            <pc:sldMk cId="2791960054" sldId="256"/>
-            <ac:spMk id="134" creationId="{2144D5F8-7F66-7804-3646-9E0CB9CC8ACC}"/>
-          </ac:spMkLst>
-        </pc:spChg>
-        <pc:cxnChg chg="add mod">
-          <ac:chgData name="Constanza Valentina Hernández Sánchez" userId="655fa2ff-6cbe-4d8d-a27f-9cd900f48405" providerId="ADAL" clId="{B28C049A-CADF-4BA4-9E68-8F7F117939E2}" dt="2025-10-13T02:19:10.327" v="1491" actId="208"/>
+            <ac:cxnSpMk id="22" creationId="{44B2A431-C330-D34C-F8F2-037A96D61658}"/>
+          </ac:cxnSpMkLst>
+        </pc:cxnChg>
+        <pc:cxnChg chg="del mod">
+          <ac:chgData name="Constanza Valentina Hernández Sánchez" userId="655fa2ff-6cbe-4d8d-a27f-9cd900f48405" providerId="ADAL" clId="{B28C049A-CADF-4BA4-9E68-8F7F117939E2}" dt="2025-11-28T12:49:10.788" v="3135" actId="478"/>
           <ac:cxnSpMkLst>
             <pc:docMk/>
             <pc:sldMk cId="2791960054" sldId="256"/>
             <ac:cxnSpMk id="26" creationId="{E3075A5A-B9AC-6F31-9CA8-262FD65005C2}"/>
           </ac:cxnSpMkLst>
         </pc:cxnChg>
-        <pc:cxnChg chg="add">
-          <ac:chgData name="Constanza Valentina Hernández Sánchez" userId="655fa2ff-6cbe-4d8d-a27f-9cd900f48405" providerId="ADAL" clId="{B28C049A-CADF-4BA4-9E68-8F7F117939E2}" dt="2025-10-13T02:15:36.105" v="1447" actId="11529"/>
+        <pc:cxnChg chg="del mod">
+          <ac:chgData name="Constanza Valentina Hernández Sánchez" userId="655fa2ff-6cbe-4d8d-a27f-9cd900f48405" providerId="ADAL" clId="{B28C049A-CADF-4BA4-9E68-8F7F117939E2}" dt="2025-11-28T12:49:07.992" v="3133" actId="478"/>
           <ac:cxnSpMkLst>
             <pc:docMk/>
             <pc:sldMk cId="2791960054" sldId="256"/>
             <ac:cxnSpMk id="28" creationId="{1611B5BA-11E6-1EB4-1200-06D40EED38BB}"/>
           </ac:cxnSpMkLst>
         </pc:cxnChg>
-        <pc:cxnChg chg="add mod">
-          <ac:chgData name="Constanza Valentina Hernández Sánchez" userId="655fa2ff-6cbe-4d8d-a27f-9cd900f48405" providerId="ADAL" clId="{B28C049A-CADF-4BA4-9E68-8F7F117939E2}" dt="2025-10-13T02:21:02.927" v="1519" actId="1076"/>
+        <pc:cxnChg chg="add del mod">
+          <ac:chgData name="Constanza Valentina Hernández Sánchez" userId="655fa2ff-6cbe-4d8d-a27f-9cd900f48405" providerId="ADAL" clId="{B28C049A-CADF-4BA4-9E68-8F7F117939E2}" dt="2025-11-28T12:50:37.445" v="3179" actId="478"/>
           <ac:cxnSpMkLst>
             <pc:docMk/>
             <pc:sldMk cId="2791960054" sldId="256"/>
-            <ac:cxnSpMk id="30" creationId="{297369C4-BAD3-35CE-17BF-74EDD55D4D58}"/>
+            <ac:cxnSpMk id="34" creationId="{AF965307-0189-A806-43CD-68E0FAF58EE1}"/>
+          </ac:cxnSpMkLst>
+        </pc:cxnChg>
+        <pc:cxnChg chg="add del mod">
+          <ac:chgData name="Constanza Valentina Hernández Sánchez" userId="655fa2ff-6cbe-4d8d-a27f-9cd900f48405" providerId="ADAL" clId="{B28C049A-CADF-4BA4-9E68-8F7F117939E2}" dt="2025-11-28T12:50:20.744" v="3174" actId="478"/>
+          <ac:cxnSpMkLst>
+            <pc:docMk/>
+            <pc:sldMk cId="2791960054" sldId="256"/>
+            <ac:cxnSpMk id="36" creationId="{CC5A8CAA-18F9-6465-A6C9-80E898F6221B}"/>
           </ac:cxnSpMkLst>
         </pc:cxnChg>
         <pc:cxnChg chg="add mod">
-          <ac:chgData name="Constanza Valentina Hernández Sánchez" userId="655fa2ff-6cbe-4d8d-a27f-9cd900f48405" providerId="ADAL" clId="{B28C049A-CADF-4BA4-9E68-8F7F117939E2}" dt="2025-10-13T02:22:04.242" v="1537" actId="1076"/>
+          <ac:chgData name="Constanza Valentina Hernández Sánchez" userId="655fa2ff-6cbe-4d8d-a27f-9cd900f48405" providerId="ADAL" clId="{B28C049A-CADF-4BA4-9E68-8F7F117939E2}" dt="2025-11-28T12:50:33.879" v="3177" actId="14100"/>
           <ac:cxnSpMkLst>
             <pc:docMk/>
             <pc:sldMk cId="2791960054" sldId="256"/>
-            <ac:cxnSpMk id="32" creationId="{66A4F34C-3551-BFE5-CFDE-E6DDA942ACE1}"/>
+            <ac:cxnSpMk id="38" creationId="{C782B0B8-B168-DB1F-13B6-827A8DE8B4EC}"/>
           </ac:cxnSpMkLst>
         </pc:cxnChg>
         <pc:cxnChg chg="add mod">
-          <ac:chgData name="Constanza Valentina Hernández Sánchez" userId="655fa2ff-6cbe-4d8d-a27f-9cd900f48405" providerId="ADAL" clId="{B28C049A-CADF-4BA4-9E68-8F7F117939E2}" dt="2025-10-13T02:19:10.327" v="1491" actId="208"/>
+          <ac:chgData name="Constanza Valentina Hernández Sánchez" userId="655fa2ff-6cbe-4d8d-a27f-9cd900f48405" providerId="ADAL" clId="{B28C049A-CADF-4BA4-9E68-8F7F117939E2}" dt="2025-11-28T12:50:48.523" v="3181" actId="13822"/>
           <ac:cxnSpMkLst>
             <pc:docMk/>
             <pc:sldMk cId="2791960054" sldId="256"/>
-            <ac:cxnSpMk id="45" creationId="{0AE83206-45AF-68DE-E84B-FA0CAAD626A7}"/>
+            <ac:cxnSpMk id="41" creationId="{A3974E94-C09A-849F-CDF5-24B738DEB288}"/>
           </ac:cxnSpMkLst>
         </pc:cxnChg>
-        <pc:cxnChg chg="add mod">
-          <ac:chgData name="Constanza Valentina Hernández Sánchez" userId="655fa2ff-6cbe-4d8d-a27f-9cd900f48405" providerId="ADAL" clId="{B28C049A-CADF-4BA4-9E68-8F7F117939E2}" dt="2025-10-13T02:16:39.882" v="1462" actId="1076"/>
-          <ac:cxnSpMkLst>
-            <pc:docMk/>
-            <pc:sldMk cId="2791960054" sldId="256"/>
-            <ac:cxnSpMk id="47" creationId="{5D2EE944-24E4-84D4-50B9-DD26D3B55296}"/>
-          </ac:cxnSpMkLst>
-        </pc:cxnChg>
-        <pc:cxnChg chg="add mod">
-          <ac:chgData name="Constanza Valentina Hernández Sánchez" userId="655fa2ff-6cbe-4d8d-a27f-9cd900f48405" providerId="ADAL" clId="{B28C049A-CADF-4BA4-9E68-8F7F117939E2}" dt="2025-10-13T02:19:31.979" v="1494" actId="1076"/>
-          <ac:cxnSpMkLst>
-            <pc:docMk/>
-            <pc:sldMk cId="2791960054" sldId="256"/>
-            <ac:cxnSpMk id="52" creationId="{6C6D15B4-A6C8-29A2-B5A1-916FECBEA35B}"/>
-          </ac:cxnSpMkLst>
-        </pc:cxnChg>
-        <pc:cxnChg chg="add mod">
-          <ac:chgData name="Constanza Valentina Hernández Sánchez" userId="655fa2ff-6cbe-4d8d-a27f-9cd900f48405" providerId="ADAL" clId="{B28C049A-CADF-4BA4-9E68-8F7F117939E2}" dt="2025-10-13T02:19:31.979" v="1494" actId="1076"/>
-          <ac:cxnSpMkLst>
-            <pc:docMk/>
-            <pc:sldMk cId="2791960054" sldId="256"/>
-            <ac:cxnSpMk id="54" creationId="{1002C589-C26A-4C5E-35A5-6908C19EA062}"/>
-          </ac:cxnSpMkLst>
-        </pc:cxnChg>
-        <pc:cxnChg chg="add mod">
-          <ac:chgData name="Constanza Valentina Hernández Sánchez" userId="655fa2ff-6cbe-4d8d-a27f-9cd900f48405" providerId="ADAL" clId="{B28C049A-CADF-4BA4-9E68-8F7F117939E2}" dt="2025-10-13T02:19:31.979" v="1494" actId="1076"/>
-          <ac:cxnSpMkLst>
-            <pc:docMk/>
-            <pc:sldMk cId="2791960054" sldId="256"/>
-            <ac:cxnSpMk id="56" creationId="{E9E04785-5615-001F-FED7-4DE957CB7AE4}"/>
-          </ac:cxnSpMkLst>
-        </pc:cxnChg>
-        <pc:cxnChg chg="add mod">
-          <ac:chgData name="Constanza Valentina Hernández Sánchez" userId="655fa2ff-6cbe-4d8d-a27f-9cd900f48405" providerId="ADAL" clId="{B28C049A-CADF-4BA4-9E68-8F7F117939E2}" dt="2025-10-13T02:19:31.979" v="1494" actId="1076"/>
-          <ac:cxnSpMkLst>
-            <pc:docMk/>
-            <pc:sldMk cId="2791960054" sldId="256"/>
-            <ac:cxnSpMk id="58" creationId="{26931475-203C-3CA1-38FF-584A96E39DC2}"/>
-          </ac:cxnSpMkLst>
-        </pc:cxnChg>
-        <pc:cxnChg chg="add mod">
-          <ac:chgData name="Constanza Valentina Hernández Sánchez" userId="655fa2ff-6cbe-4d8d-a27f-9cd900f48405" providerId="ADAL" clId="{B28C049A-CADF-4BA4-9E68-8F7F117939E2}" dt="2025-10-13T02:22:59.237" v="1553" actId="1076"/>
+        <pc:cxnChg chg="mod">
+          <ac:chgData name="Constanza Valentina Hernández Sánchez" userId="655fa2ff-6cbe-4d8d-a27f-9cd900f48405" providerId="ADAL" clId="{B28C049A-CADF-4BA4-9E68-8F7F117939E2}" dt="2025-11-28T12:52:23.251" v="3257" actId="20577"/>
           <ac:cxnSpMkLst>
             <pc:docMk/>
             <pc:sldMk cId="2791960054" sldId="256"/>
             <ac:cxnSpMk id="60" creationId="{96EB0FF9-FB37-2953-1D6F-260582BB4980}"/>
           </ac:cxnSpMkLst>
         </pc:cxnChg>
-        <pc:cxnChg chg="add mod">
-          <ac:chgData name="Constanza Valentina Hernández Sánchez" userId="655fa2ff-6cbe-4d8d-a27f-9cd900f48405" providerId="ADAL" clId="{B28C049A-CADF-4BA4-9E68-8F7F117939E2}" dt="2025-10-13T02:23:02.176" v="1554" actId="1076"/>
+        <pc:cxnChg chg="mod">
+          <ac:chgData name="Constanza Valentina Hernández Sánchez" userId="655fa2ff-6cbe-4d8d-a27f-9cd900f48405" providerId="ADAL" clId="{B28C049A-CADF-4BA4-9E68-8F7F117939E2}" dt="2025-11-28T12:52:23.251" v="3257" actId="20577"/>
           <ac:cxnSpMkLst>
             <pc:docMk/>
             <pc:sldMk cId="2791960054" sldId="256"/>
             <ac:cxnSpMk id="62" creationId="{12DC70C8-B462-008A-8398-A78119C4E5DA}"/>
           </ac:cxnSpMkLst>
         </pc:cxnChg>
-        <pc:cxnChg chg="add mod">
-          <ac:chgData name="Constanza Valentina Hernández Sánchez" userId="655fa2ff-6cbe-4d8d-a27f-9cd900f48405" providerId="ADAL" clId="{B28C049A-CADF-4BA4-9E68-8F7F117939E2}" dt="2025-10-13T02:22:46.400" v="1550" actId="1076"/>
-          <ac:cxnSpMkLst>
-            <pc:docMk/>
-            <pc:sldMk cId="2791960054" sldId="256"/>
-            <ac:cxnSpMk id="66" creationId="{D56CD8A1-2ED4-66DA-FD9D-D2C1AE20AE3A}"/>
-          </ac:cxnSpMkLst>
-        </pc:cxnChg>
-        <pc:cxnChg chg="add mod">
-          <ac:chgData name="Constanza Valentina Hernández Sánchez" userId="655fa2ff-6cbe-4d8d-a27f-9cd900f48405" providerId="ADAL" clId="{B28C049A-CADF-4BA4-9E68-8F7F117939E2}" dt="2025-10-13T02:18:26.004" v="1485" actId="1076"/>
+        <pc:cxnChg chg="del mod">
+          <ac:chgData name="Constanza Valentina Hernández Sánchez" userId="655fa2ff-6cbe-4d8d-a27f-9cd900f48405" providerId="ADAL" clId="{B28C049A-CADF-4BA4-9E68-8F7F117939E2}" dt="2025-11-28T12:49:09.440" v="3134" actId="478"/>
           <ac:cxnSpMkLst>
             <pc:docMk/>
             <pc:sldMk cId="2791960054" sldId="256"/>
             <ac:cxnSpMk id="72" creationId="{B5689BC5-CC96-43E5-F942-41EC76F380D1}"/>
           </ac:cxnSpMkLst>
         </pc:cxnChg>
-        <pc:cxnChg chg="add mod">
-          <ac:chgData name="Constanza Valentina Hernández Sánchez" userId="655fa2ff-6cbe-4d8d-a27f-9cd900f48405" providerId="ADAL" clId="{B28C049A-CADF-4BA4-9E68-8F7F117939E2}" dt="2025-10-13T02:22:59.237" v="1553" actId="1076"/>
+        <pc:cxnChg chg="mod">
+          <ac:chgData name="Constanza Valentina Hernández Sánchez" userId="655fa2ff-6cbe-4d8d-a27f-9cd900f48405" providerId="ADAL" clId="{B28C049A-CADF-4BA4-9E68-8F7F117939E2}" dt="2025-11-28T12:52:23.251" v="3257" actId="20577"/>
           <ac:cxnSpMkLst>
             <pc:docMk/>
             <pc:sldMk cId="2791960054" sldId="256"/>
             <ac:cxnSpMk id="81" creationId="{CB103139-8853-4B51-8CC9-18274CD875A1}"/>
           </ac:cxnSpMkLst>
         </pc:cxnChg>
-        <pc:cxnChg chg="add mod">
-          <ac:chgData name="Constanza Valentina Hernández Sánchez" userId="655fa2ff-6cbe-4d8d-a27f-9cd900f48405" providerId="ADAL" clId="{B28C049A-CADF-4BA4-9E68-8F7F117939E2}" dt="2025-10-13T02:20:43.678" v="1516" actId="1582"/>
-          <ac:cxnSpMkLst>
-            <pc:docMk/>
-            <pc:sldMk cId="2791960054" sldId="256"/>
-            <ac:cxnSpMk id="94" creationId="{4CEE4C33-F52F-5660-46D4-A1BABB770283}"/>
-          </ac:cxnSpMkLst>
-        </pc:cxnChg>
-        <pc:cxnChg chg="add mod">
-          <ac:chgData name="Constanza Valentina Hernández Sánchez" userId="655fa2ff-6cbe-4d8d-a27f-9cd900f48405" providerId="ADAL" clId="{B28C049A-CADF-4BA4-9E68-8F7F117939E2}" dt="2025-10-13T02:22:09.508" v="1539" actId="1076"/>
+        <pc:cxnChg chg="del mod">
+          <ac:chgData name="Constanza Valentina Hernández Sánchez" userId="655fa2ff-6cbe-4d8d-a27f-9cd900f48405" providerId="ADAL" clId="{B28C049A-CADF-4BA4-9E68-8F7F117939E2}" dt="2025-11-28T12:49:54.909" v="3164" actId="478"/>
           <ac:cxnSpMkLst>
             <pc:docMk/>
             <pc:sldMk cId="2791960054" sldId="256"/>
             <ac:cxnSpMk id="107" creationId="{104FBD42-9830-70B1-BC8B-51A92A9059A7}"/>
           </ac:cxnSpMkLst>
         </pc:cxnChg>
-        <pc:cxnChg chg="add mod">
-          <ac:chgData name="Constanza Valentina Hernández Sánchez" userId="655fa2ff-6cbe-4d8d-a27f-9cd900f48405" providerId="ADAL" clId="{B28C049A-CADF-4BA4-9E68-8F7F117939E2}" dt="2025-10-13T02:22:46.400" v="1550" actId="1076"/>
+        <pc:cxnChg chg="del mod">
+          <ac:chgData name="Constanza Valentina Hernández Sánchez" userId="655fa2ff-6cbe-4d8d-a27f-9cd900f48405" providerId="ADAL" clId="{B28C049A-CADF-4BA4-9E68-8F7F117939E2}" dt="2025-11-28T12:49:55.801" v="3165" actId="478"/>
           <ac:cxnSpMkLst>
             <pc:docMk/>
             <pc:sldMk cId="2791960054" sldId="256"/>
             <ac:cxnSpMk id="110" creationId="{8F58B507-E868-FC18-ABD8-102CB98B3930}"/>
           </ac:cxnSpMkLst>
         </pc:cxnChg>
-        <pc:cxnChg chg="add mod">
-          <ac:chgData name="Constanza Valentina Hernández Sánchez" userId="655fa2ff-6cbe-4d8d-a27f-9cd900f48405" providerId="ADAL" clId="{B28C049A-CADF-4BA4-9E68-8F7F117939E2}" dt="2025-10-13T02:22:50.861" v="1551" actId="1076"/>
+        <pc:cxnChg chg="del mod">
+          <ac:chgData name="Constanza Valentina Hernández Sánchez" userId="655fa2ff-6cbe-4d8d-a27f-9cd900f48405" providerId="ADAL" clId="{B28C049A-CADF-4BA4-9E68-8F7F117939E2}" dt="2025-11-28T12:49:59.009" v="3167" actId="478"/>
           <ac:cxnSpMkLst>
             <pc:docMk/>
             <pc:sldMk cId="2791960054" sldId="256"/>
             <ac:cxnSpMk id="119" creationId="{CCF4CF9D-7070-3965-FE24-577D9D19EF1E}"/>
           </ac:cxnSpMkLst>
         </pc:cxnChg>
-        <pc:cxnChg chg="add mod">
-          <ac:chgData name="Constanza Valentina Hernández Sánchez" userId="655fa2ff-6cbe-4d8d-a27f-9cd900f48405" providerId="ADAL" clId="{B28C049A-CADF-4BA4-9E68-8F7F117939E2}" dt="2025-10-13T02:22:50.861" v="1551" actId="1076"/>
+        <pc:cxnChg chg="del mod">
+          <ac:chgData name="Constanza Valentina Hernández Sánchez" userId="655fa2ff-6cbe-4d8d-a27f-9cd900f48405" providerId="ADAL" clId="{B28C049A-CADF-4BA4-9E68-8F7F117939E2}" dt="2025-11-28T12:49:59.833" v="3168" actId="478"/>
           <ac:cxnSpMkLst>
             <pc:docMk/>
             <pc:sldMk cId="2791960054" sldId="256"/>
             <ac:cxnSpMk id="121" creationId="{629291A8-61A2-2AFA-B268-C1E3567111B9}"/>
           </ac:cxnSpMkLst>
         </pc:cxnChg>
-        <pc:cxnChg chg="add mod">
-          <ac:chgData name="Constanza Valentina Hernández Sánchez" userId="655fa2ff-6cbe-4d8d-a27f-9cd900f48405" providerId="ADAL" clId="{B28C049A-CADF-4BA4-9E68-8F7F117939E2}" dt="2025-10-13T02:23:24.885" v="1560" actId="1076"/>
-          <ac:cxnSpMkLst>
-            <pc:docMk/>
-            <pc:sldMk cId="2791960054" sldId="256"/>
-            <ac:cxnSpMk id="136" creationId="{0913B8E8-A237-DED8-B521-4CB6798FAD53}"/>
-          </ac:cxnSpMkLst>
-        </pc:cxnChg>
-      </pc:sldChg>
-      <pc:sldChg chg="addSp delSp modSp new mod">
-        <pc:chgData name="Constanza Valentina Hernández Sánchez" userId="655fa2ff-6cbe-4d8d-a27f-9cd900f48405" providerId="ADAL" clId="{B28C049A-CADF-4BA4-9E68-8F7F117939E2}" dt="2025-10-13T03:36:48.884" v="2992" actId="113"/>
-        <pc:sldMkLst>
-          <pc:docMk/>
-          <pc:sldMk cId="1004727235" sldId="257"/>
-        </pc:sldMkLst>
-        <pc:spChg chg="mod">
-          <ac:chgData name="Constanza Valentina Hernández Sánchez" userId="655fa2ff-6cbe-4d8d-a27f-9cd900f48405" providerId="ADAL" clId="{B28C049A-CADF-4BA4-9E68-8F7F117939E2}" dt="2025-10-13T03:36:48.884" v="2992" actId="113"/>
-          <ac:spMkLst>
-            <pc:docMk/>
-            <pc:sldMk cId="1004727235" sldId="257"/>
-            <ac:spMk id="2" creationId="{65790DFB-C68F-289B-9F84-F747A8647CFE}"/>
-          </ac:spMkLst>
-        </pc:spChg>
-        <pc:spChg chg="add mod">
-          <ac:chgData name="Constanza Valentina Hernández Sánchez" userId="655fa2ff-6cbe-4d8d-a27f-9cd900f48405" providerId="ADAL" clId="{B28C049A-CADF-4BA4-9E68-8F7F117939E2}" dt="2025-10-13T03:30:40.321" v="2819" actId="20577"/>
-          <ac:spMkLst>
-            <pc:docMk/>
-            <pc:sldMk cId="1004727235" sldId="257"/>
-            <ac:spMk id="6" creationId="{68F1E082-C0B7-D32C-D167-DCEAA11E931A}"/>
-          </ac:spMkLst>
-        </pc:spChg>
-        <pc:picChg chg="add mod">
-          <ac:chgData name="Constanza Valentina Hernández Sánchez" userId="655fa2ff-6cbe-4d8d-a27f-9cd900f48405" providerId="ADAL" clId="{B28C049A-CADF-4BA4-9E68-8F7F117939E2}" dt="2025-10-13T01:53:20.628" v="20" actId="1076"/>
-          <ac:picMkLst>
-            <pc:docMk/>
-            <pc:sldMk cId="1004727235" sldId="257"/>
-            <ac:picMk id="5" creationId="{B0ED449A-4275-143F-CE2E-638A058F15B8}"/>
-          </ac:picMkLst>
-        </pc:picChg>
-      </pc:sldChg>
-      <pc:sldChg chg="addSp delSp modSp new del mod">
-        <pc:chgData name="Constanza Valentina Hernández Sánchez" userId="655fa2ff-6cbe-4d8d-a27f-9cd900f48405" providerId="ADAL" clId="{B28C049A-CADF-4BA4-9E68-8F7F117939E2}" dt="2025-10-13T02:37:15.948" v="1651" actId="47"/>
-        <pc:sldMkLst>
-          <pc:docMk/>
-          <pc:sldMk cId="1785681456" sldId="258"/>
-        </pc:sldMkLst>
-      </pc:sldChg>
-      <pc:sldChg chg="modSp new mod ord">
-        <pc:chgData name="Constanza Valentina Hernández Sánchez" userId="655fa2ff-6cbe-4d8d-a27f-9cd900f48405" providerId="ADAL" clId="{B28C049A-CADF-4BA4-9E68-8F7F117939E2}" dt="2025-10-13T03:34:30.834" v="2972" actId="5793"/>
-        <pc:sldMkLst>
-          <pc:docMk/>
-          <pc:sldMk cId="1389594214" sldId="259"/>
-        </pc:sldMkLst>
-        <pc:spChg chg="mod">
-          <ac:chgData name="Constanza Valentina Hernández Sánchez" userId="655fa2ff-6cbe-4d8d-a27f-9cd900f48405" providerId="ADAL" clId="{B28C049A-CADF-4BA4-9E68-8F7F117939E2}" dt="2025-10-13T03:19:03.941" v="1901" actId="113"/>
-          <ac:spMkLst>
-            <pc:docMk/>
-            <pc:sldMk cId="1389594214" sldId="259"/>
-            <ac:spMk id="2" creationId="{89871050-62E2-ECA2-38BA-4E91FFB2A34B}"/>
-          </ac:spMkLst>
-        </pc:spChg>
-        <pc:spChg chg="mod">
-          <ac:chgData name="Constanza Valentina Hernández Sánchez" userId="655fa2ff-6cbe-4d8d-a27f-9cd900f48405" providerId="ADAL" clId="{B28C049A-CADF-4BA4-9E68-8F7F117939E2}" dt="2025-10-13T03:34:30.834" v="2972" actId="5793"/>
-          <ac:spMkLst>
-            <pc:docMk/>
-            <pc:sldMk cId="1389594214" sldId="259"/>
-            <ac:spMk id="3" creationId="{5101BFA1-4777-5ACA-2AE3-F73AFFC9E6A1}"/>
-          </ac:spMkLst>
-        </pc:spChg>
-      </pc:sldChg>
-      <pc:sldChg chg="modSp new mod">
-        <pc:chgData name="Constanza Valentina Hernández Sánchez" userId="655fa2ff-6cbe-4d8d-a27f-9cd900f48405" providerId="ADAL" clId="{B28C049A-CADF-4BA4-9E68-8F7F117939E2}" dt="2025-10-13T03:19:06.790" v="1902" actId="113"/>
-        <pc:sldMkLst>
-          <pc:docMk/>
-          <pc:sldMk cId="125205556" sldId="260"/>
-        </pc:sldMkLst>
-        <pc:spChg chg="mod">
-          <ac:chgData name="Constanza Valentina Hernández Sánchez" userId="655fa2ff-6cbe-4d8d-a27f-9cd900f48405" providerId="ADAL" clId="{B28C049A-CADF-4BA4-9E68-8F7F117939E2}" dt="2025-10-13T03:19:06.790" v="1902" actId="113"/>
-          <ac:spMkLst>
-            <pc:docMk/>
-            <pc:sldMk cId="125205556" sldId="260"/>
-            <ac:spMk id="2" creationId="{A5B38757-20B7-3584-17EA-4B88CBEE4969}"/>
-          </ac:spMkLst>
-        </pc:spChg>
-        <pc:spChg chg="mod">
-          <ac:chgData name="Constanza Valentina Hernández Sánchez" userId="655fa2ff-6cbe-4d8d-a27f-9cd900f48405" providerId="ADAL" clId="{B28C049A-CADF-4BA4-9E68-8F7F117939E2}" dt="2025-10-13T03:18:41.056" v="1900" actId="20577"/>
-          <ac:spMkLst>
-            <pc:docMk/>
-            <pc:sldMk cId="125205556" sldId="260"/>
-            <ac:spMk id="3" creationId="{9AF0E1C1-D6FA-B9A9-86C5-E2561B196480}"/>
-          </ac:spMkLst>
-        </pc:spChg>
-      </pc:sldChg>
-      <pc:sldChg chg="delSp new del mod">
-        <pc:chgData name="Constanza Valentina Hernández Sánchez" userId="655fa2ff-6cbe-4d8d-a27f-9cd900f48405" providerId="ADAL" clId="{B28C049A-CADF-4BA4-9E68-8F7F117939E2}" dt="2025-10-13T02:39:25.184" v="1814" actId="47"/>
-        <pc:sldMkLst>
-          <pc:docMk/>
-          <pc:sldMk cId="874988653" sldId="261"/>
-        </pc:sldMkLst>
-      </pc:sldChg>
-      <pc:sldChg chg="addSp delSp modSp new mod ord">
-        <pc:chgData name="Constanza Valentina Hernández Sánchez" userId="655fa2ff-6cbe-4d8d-a27f-9cd900f48405" providerId="ADAL" clId="{B28C049A-CADF-4BA4-9E68-8F7F117939E2}" dt="2025-10-13T03:30:24.974" v="2782" actId="1076"/>
-        <pc:sldMkLst>
-          <pc:docMk/>
-          <pc:sldMk cId="898322162" sldId="262"/>
-        </pc:sldMkLst>
-        <pc:spChg chg="add mod">
-          <ac:chgData name="Constanza Valentina Hernández Sánchez" userId="655fa2ff-6cbe-4d8d-a27f-9cd900f48405" providerId="ADAL" clId="{B28C049A-CADF-4BA4-9E68-8F7F117939E2}" dt="2025-10-13T03:30:24.974" v="2782" actId="1076"/>
-          <ac:spMkLst>
-            <pc:docMk/>
-            <pc:sldMk cId="898322162" sldId="262"/>
-            <ac:spMk id="12" creationId="{EF75F401-415D-3573-A0DC-D3320EF3B0E6}"/>
-          </ac:spMkLst>
-        </pc:spChg>
-        <pc:picChg chg="add mod">
-          <ac:chgData name="Constanza Valentina Hernández Sánchez" userId="655fa2ff-6cbe-4d8d-a27f-9cd900f48405" providerId="ADAL" clId="{B28C049A-CADF-4BA4-9E68-8F7F117939E2}" dt="2025-10-13T03:29:20.815" v="2500" actId="1076"/>
-          <ac:picMkLst>
-            <pc:docMk/>
-            <pc:sldMk cId="898322162" sldId="262"/>
-            <ac:picMk id="10" creationId="{B9F85C22-F16A-2076-8329-DF4B0E4973E6}"/>
-          </ac:picMkLst>
-        </pc:picChg>
-      </pc:sldChg>
-      <pc:sldChg chg="addSp delSp modSp new mod ord modClrScheme chgLayout">
-        <pc:chgData name="Constanza Valentina Hernández Sánchez" userId="655fa2ff-6cbe-4d8d-a27f-9cd900f48405" providerId="ADAL" clId="{B28C049A-CADF-4BA4-9E68-8F7F117939E2}" dt="2025-10-13T03:36:56.944" v="2994" actId="113"/>
-        <pc:sldMkLst>
-          <pc:docMk/>
-          <pc:sldMk cId="3961614460" sldId="263"/>
-        </pc:sldMkLst>
-        <pc:spChg chg="add mod ord">
-          <ac:chgData name="Constanza Valentina Hernández Sánchez" userId="655fa2ff-6cbe-4d8d-a27f-9cd900f48405" providerId="ADAL" clId="{B28C049A-CADF-4BA4-9E68-8F7F117939E2}" dt="2025-10-13T03:36:56.944" v="2994" actId="113"/>
-          <ac:spMkLst>
-            <pc:docMk/>
-            <pc:sldMk cId="3961614460" sldId="263"/>
-            <ac:spMk id="8" creationId="{F0986458-8893-C759-8C94-652A229BD8C7}"/>
-          </ac:spMkLst>
-        </pc:spChg>
-        <pc:spChg chg="add mod">
-          <ac:chgData name="Constanza Valentina Hernández Sánchez" userId="655fa2ff-6cbe-4d8d-a27f-9cd900f48405" providerId="ADAL" clId="{B28C049A-CADF-4BA4-9E68-8F7F117939E2}" dt="2025-10-13T03:27:41.278" v="2093" actId="1076"/>
-          <ac:spMkLst>
-            <pc:docMk/>
-            <pc:sldMk cId="3961614460" sldId="263"/>
-            <ac:spMk id="9" creationId="{898F170D-1CA1-7065-E767-02DBE54B14EB}"/>
-          </ac:spMkLst>
-        </pc:spChg>
-        <pc:picChg chg="add mod">
-          <ac:chgData name="Constanza Valentina Hernández Sánchez" userId="655fa2ff-6cbe-4d8d-a27f-9cd900f48405" providerId="ADAL" clId="{B28C049A-CADF-4BA4-9E68-8F7F117939E2}" dt="2025-10-13T03:27:00.569" v="1903" actId="1076"/>
-          <ac:picMkLst>
-            <pc:docMk/>
-            <pc:sldMk cId="3961614460" sldId="263"/>
-            <ac:picMk id="5" creationId="{788FCA0F-C1FA-6A26-0A77-BA6B003283FE}"/>
-          </ac:picMkLst>
-        </pc:picChg>
-      </pc:sldChg>
-      <pc:sldChg chg="addSp delSp modSp new del mod">
-        <pc:chgData name="Constanza Valentina Hernández Sánchez" userId="655fa2ff-6cbe-4d8d-a27f-9cd900f48405" providerId="ADAL" clId="{B28C049A-CADF-4BA4-9E68-8F7F117939E2}" dt="2025-10-13T03:13:15.930" v="1843" actId="47"/>
-        <pc:sldMkLst>
-          <pc:docMk/>
-          <pc:sldMk cId="120883303" sldId="264"/>
-        </pc:sldMkLst>
-      </pc:sldChg>
-      <pc:sldChg chg="addSp delSp modSp new mod ord modClrScheme chgLayout">
-        <pc:chgData name="Constanza Valentina Hernández Sánchez" userId="655fa2ff-6cbe-4d8d-a27f-9cd900f48405" providerId="ADAL" clId="{B28C049A-CADF-4BA4-9E68-8F7F117939E2}" dt="2025-10-13T03:36:52.314" v="2993" actId="113"/>
-        <pc:sldMkLst>
-          <pc:docMk/>
-          <pc:sldMk cId="3923091112" sldId="265"/>
-        </pc:sldMkLst>
-        <pc:spChg chg="add mod ord">
-          <ac:chgData name="Constanza Valentina Hernández Sánchez" userId="655fa2ff-6cbe-4d8d-a27f-9cd900f48405" providerId="ADAL" clId="{B28C049A-CADF-4BA4-9E68-8F7F117939E2}" dt="2025-10-13T03:36:52.314" v="2993" actId="113"/>
-          <ac:spMkLst>
-            <pc:docMk/>
-            <pc:sldMk cId="3923091112" sldId="265"/>
-            <ac:spMk id="8" creationId="{3CF5C933-A378-CF60-801F-5E65D261A974}"/>
-          </ac:spMkLst>
-        </pc:spChg>
-        <pc:spChg chg="add mod">
-          <ac:chgData name="Constanza Valentina Hernández Sánchez" userId="655fa2ff-6cbe-4d8d-a27f-9cd900f48405" providerId="ADAL" clId="{B28C049A-CADF-4BA4-9E68-8F7F117939E2}" dt="2025-10-13T03:29:13.552" v="2498" actId="20577"/>
-          <ac:spMkLst>
-            <pc:docMk/>
-            <pc:sldMk cId="3923091112" sldId="265"/>
-            <ac:spMk id="9" creationId="{DFEC0603-144D-1E1C-0483-1088B5429BCF}"/>
-          </ac:spMkLst>
-        </pc:spChg>
-        <pc:picChg chg="add mod">
-          <ac:chgData name="Constanza Valentina Hernández Sánchez" userId="655fa2ff-6cbe-4d8d-a27f-9cd900f48405" providerId="ADAL" clId="{B28C049A-CADF-4BA4-9E68-8F7F117939E2}" dt="2025-10-13T03:29:15.454" v="2499" actId="1076"/>
-          <ac:picMkLst>
-            <pc:docMk/>
-            <pc:sldMk cId="3923091112" sldId="265"/>
-            <ac:picMk id="5" creationId="{3C75DE83-4025-A5B2-1E6B-69349897D309}"/>
-          </ac:picMkLst>
-        </pc:picChg>
-        <pc:picChg chg="add mod">
-          <ac:chgData name="Constanza Valentina Hernández Sánchez" userId="655fa2ff-6cbe-4d8d-a27f-9cd900f48405" providerId="ADAL" clId="{B28C049A-CADF-4BA4-9E68-8F7F117939E2}" dt="2025-10-13T03:28:51.466" v="2420" actId="1076"/>
-          <ac:picMkLst>
-            <pc:docMk/>
-            <pc:sldMk cId="3923091112" sldId="265"/>
-            <ac:picMk id="7" creationId="{C46D6F32-B8DA-9001-6414-530D971E0136}"/>
-          </ac:picMkLst>
-        </pc:picChg>
-      </pc:sldChg>
-      <pc:sldChg chg="addSp delSp modSp new mod">
-        <pc:chgData name="Constanza Valentina Hernández Sánchez" userId="655fa2ff-6cbe-4d8d-a27f-9cd900f48405" providerId="ADAL" clId="{B28C049A-CADF-4BA4-9E68-8F7F117939E2}" dt="2025-10-13T03:31:37.608" v="2971" actId="20577"/>
-        <pc:sldMkLst>
-          <pc:docMk/>
-          <pc:sldMk cId="714096792" sldId="266"/>
-        </pc:sldMkLst>
-        <pc:spChg chg="add mod">
-          <ac:chgData name="Constanza Valentina Hernández Sánchez" userId="655fa2ff-6cbe-4d8d-a27f-9cd900f48405" providerId="ADAL" clId="{B28C049A-CADF-4BA4-9E68-8F7F117939E2}" dt="2025-10-13T03:31:37.608" v="2971" actId="20577"/>
-          <ac:spMkLst>
-            <pc:docMk/>
-            <pc:sldMk cId="714096792" sldId="266"/>
-            <ac:spMk id="5" creationId="{884843ED-A179-6885-8438-34290B69EC6C}"/>
-          </ac:spMkLst>
-        </pc:spChg>
-        <pc:picChg chg="add mod">
-          <ac:chgData name="Constanza Valentina Hernández Sánchez" userId="655fa2ff-6cbe-4d8d-a27f-9cd900f48405" providerId="ADAL" clId="{B28C049A-CADF-4BA4-9E68-8F7F117939E2}" dt="2025-10-13T03:30:52.885" v="2823" actId="1076"/>
-          <ac:picMkLst>
-            <pc:docMk/>
-            <pc:sldMk cId="714096792" sldId="266"/>
-            <ac:picMk id="4" creationId="{296E6848-B036-63DD-7E1A-73F87D59D915}"/>
-          </ac:picMkLst>
-        </pc:picChg>
-      </pc:sldChg>
-      <pc:sldChg chg="addSp delSp modSp new mod">
-        <pc:chgData name="Constanza Valentina Hernández Sánchez" userId="655fa2ff-6cbe-4d8d-a27f-9cd900f48405" providerId="ADAL" clId="{B28C049A-CADF-4BA4-9E68-8F7F117939E2}" dt="2025-10-13T05:08:53.942" v="3081" actId="1076"/>
-        <pc:sldMkLst>
-          <pc:docMk/>
-          <pc:sldMk cId="375347933" sldId="267"/>
-        </pc:sldMkLst>
-        <pc:spChg chg="mod">
-          <ac:chgData name="Constanza Valentina Hernández Sánchez" userId="655fa2ff-6cbe-4d8d-a27f-9cd900f48405" providerId="ADAL" clId="{B28C049A-CADF-4BA4-9E68-8F7F117939E2}" dt="2025-10-13T03:37:37.715" v="3004" actId="113"/>
-          <ac:spMkLst>
-            <pc:docMk/>
-            <pc:sldMk cId="375347933" sldId="267"/>
-            <ac:spMk id="2" creationId="{7286B0B7-277C-10AD-ED55-B5DD1AE91019}"/>
-          </ac:spMkLst>
-        </pc:spChg>
-        <pc:picChg chg="add mod">
-          <ac:chgData name="Constanza Valentina Hernández Sánchez" userId="655fa2ff-6cbe-4d8d-a27f-9cd900f48405" providerId="ADAL" clId="{B28C049A-CADF-4BA4-9E68-8F7F117939E2}" dt="2025-10-13T05:08:53.942" v="3081" actId="1076"/>
-          <ac:picMkLst>
-            <pc:docMk/>
-            <pc:sldMk cId="375347933" sldId="267"/>
-            <ac:picMk id="7" creationId="{59A8099B-606B-6E1A-10DC-6F3E2DA0A0E2}"/>
-          </ac:picMkLst>
-        </pc:picChg>
-      </pc:sldChg>
-      <pc:sldChg chg="addSp delSp modSp new mod ord modClrScheme chgLayout">
-        <pc:chgData name="Constanza Valentina Hernández Sánchez" userId="655fa2ff-6cbe-4d8d-a27f-9cd900f48405" providerId="ADAL" clId="{B28C049A-CADF-4BA4-9E68-8F7F117939E2}" dt="2025-10-13T04:23:51.717" v="3074" actId="20577"/>
-        <pc:sldMkLst>
-          <pc:docMk/>
-          <pc:sldMk cId="3169239722" sldId="268"/>
-        </pc:sldMkLst>
-        <pc:spChg chg="add mod ord">
-          <ac:chgData name="Constanza Valentina Hernández Sánchez" userId="655fa2ff-6cbe-4d8d-a27f-9cd900f48405" providerId="ADAL" clId="{B28C049A-CADF-4BA4-9E68-8F7F117939E2}" dt="2025-10-13T04:23:51.717" v="3074" actId="20577"/>
-          <ac:spMkLst>
-            <pc:docMk/>
-            <pc:sldMk cId="3169239722" sldId="268"/>
-            <ac:spMk id="4" creationId="{ECEB6873-3729-EABB-B5A5-F37541057E7E}"/>
-          </ac:spMkLst>
-        </pc:spChg>
-      </pc:sldChg>
-      <pc:sldChg chg="new">
-        <pc:chgData name="Constanza Valentina Hernández Sánchez" userId="655fa2ff-6cbe-4d8d-a27f-9cd900f48405" providerId="ADAL" clId="{B28C049A-CADF-4BA4-9E68-8F7F117939E2}" dt="2025-10-20T18:25:21.021" v="3095" actId="680"/>
-        <pc:sldMkLst>
-          <pc:docMk/>
-          <pc:sldMk cId="3759505099" sldId="269"/>
-        </pc:sldMkLst>
       </pc:sldChg>
     </pc:docChg>
   </pc:docChgLst>
@@ -823,7 +428,7 @@
           <a:p>
             <a:fld id="{9737B92D-2D95-4F46-A332-00488C8DC0F8}" type="datetimeFigureOut">
               <a:rPr lang="en-US" smtClean="0"/>
-              <a:t>10/20/2025</a:t>
+              <a:t>11/28/2025</a:t>
             </a:fld>
             <a:endParaRPr lang="en-US"/>
           </a:p>
@@ -1237,7 +842,7 @@
           <a:p>
             <a:fld id="{95FAD556-7069-41DA-980A-F4A57812852F}" type="datetimeFigureOut">
               <a:rPr lang="en-US" smtClean="0"/>
-              <a:t>10/20/2025</a:t>
+              <a:t>11/28/2025</a:t>
             </a:fld>
             <a:endParaRPr lang="en-US"/>
           </a:p>
@@ -1435,7 +1040,7 @@
           <a:p>
             <a:fld id="{95FAD556-7069-41DA-980A-F4A57812852F}" type="datetimeFigureOut">
               <a:rPr lang="en-US" smtClean="0"/>
-              <a:t>10/20/2025</a:t>
+              <a:t>11/28/2025</a:t>
             </a:fld>
             <a:endParaRPr lang="en-US"/>
           </a:p>
@@ -1643,7 +1248,7 @@
           <a:p>
             <a:fld id="{95FAD556-7069-41DA-980A-F4A57812852F}" type="datetimeFigureOut">
               <a:rPr lang="en-US" smtClean="0"/>
-              <a:t>10/20/2025</a:t>
+              <a:t>11/28/2025</a:t>
             </a:fld>
             <a:endParaRPr lang="en-US"/>
           </a:p>
@@ -1841,7 +1446,7 @@
           <a:p>
             <a:fld id="{95FAD556-7069-41DA-980A-F4A57812852F}" type="datetimeFigureOut">
               <a:rPr lang="en-US" smtClean="0"/>
-              <a:t>10/20/2025</a:t>
+              <a:t>11/28/2025</a:t>
             </a:fld>
             <a:endParaRPr lang="en-US"/>
           </a:p>
@@ -2116,7 +1721,7 @@
           <a:p>
             <a:fld id="{95FAD556-7069-41DA-980A-F4A57812852F}" type="datetimeFigureOut">
               <a:rPr lang="en-US" smtClean="0"/>
-              <a:t>10/20/2025</a:t>
+              <a:t>11/28/2025</a:t>
             </a:fld>
             <a:endParaRPr lang="en-US"/>
           </a:p>
@@ -2381,7 +1986,7 @@
           <a:p>
             <a:fld id="{95FAD556-7069-41DA-980A-F4A57812852F}" type="datetimeFigureOut">
               <a:rPr lang="en-US" smtClean="0"/>
-              <a:t>10/20/2025</a:t>
+              <a:t>11/28/2025</a:t>
             </a:fld>
             <a:endParaRPr lang="en-US"/>
           </a:p>
@@ -2793,7 +2398,7 @@
           <a:p>
             <a:fld id="{95FAD556-7069-41DA-980A-F4A57812852F}" type="datetimeFigureOut">
               <a:rPr lang="en-US" smtClean="0"/>
-              <a:t>10/20/2025</a:t>
+              <a:t>11/28/2025</a:t>
             </a:fld>
             <a:endParaRPr lang="en-US"/>
           </a:p>
@@ -2934,7 +2539,7 @@
           <a:p>
             <a:fld id="{95FAD556-7069-41DA-980A-F4A57812852F}" type="datetimeFigureOut">
               <a:rPr lang="en-US" smtClean="0"/>
-              <a:t>10/20/2025</a:t>
+              <a:t>11/28/2025</a:t>
             </a:fld>
             <a:endParaRPr lang="en-US"/>
           </a:p>
@@ -3047,7 +2652,7 @@
           <a:p>
             <a:fld id="{95FAD556-7069-41DA-980A-F4A57812852F}" type="datetimeFigureOut">
               <a:rPr lang="en-US" smtClean="0"/>
-              <a:t>10/20/2025</a:t>
+              <a:t>11/28/2025</a:t>
             </a:fld>
             <a:endParaRPr lang="en-US"/>
           </a:p>
@@ -3358,7 +2963,7 @@
           <a:p>
             <a:fld id="{95FAD556-7069-41DA-980A-F4A57812852F}" type="datetimeFigureOut">
               <a:rPr lang="en-US" smtClean="0"/>
-              <a:t>10/20/2025</a:t>
+              <a:t>11/28/2025</a:t>
             </a:fld>
             <a:endParaRPr lang="en-US"/>
           </a:p>
@@ -3646,7 +3251,7 @@
           <a:p>
             <a:fld id="{95FAD556-7069-41DA-980A-F4A57812852F}" type="datetimeFigureOut">
               <a:rPr lang="en-US" smtClean="0"/>
-              <a:t>10/20/2025</a:t>
+              <a:t>11/28/2025</a:t>
             </a:fld>
             <a:endParaRPr lang="en-US"/>
           </a:p>
@@ -3887,7 +3492,7 @@
           <a:p>
             <a:fld id="{95FAD556-7069-41DA-980A-F4A57812852F}" type="datetimeFigureOut">
               <a:rPr lang="en-US" smtClean="0"/>
-              <a:t>10/20/2025</a:t>
+              <a:t>11/28/2025</a:t>
             </a:fld>
             <a:endParaRPr lang="en-US"/>
           </a:p>
@@ -5358,15 +4963,7 @@
             <a:pPr algn="ctr"/>
             <a:r>
               <a:rPr lang="en-US" sz="1050" dirty="0" err="1"/>
-              <a:t>Catastro</a:t>
-            </a:r>
-            <a:r>
-              <a:rPr lang="en-US" sz="1050" dirty="0"/>
-              <a:t> </a:t>
-            </a:r>
-            <a:r>
-              <a:rPr lang="en-US" sz="1050" dirty="0" err="1"/>
-              <a:t>vegetación</a:t>
+              <a:t>Mapbiomas</a:t>
             </a:r>
             <a:endParaRPr lang="en-US" sz="1050" dirty="0"/>
           </a:p>
@@ -5417,14 +5014,14 @@
             <a:pPr algn="ctr"/>
             <a:r>
               <a:rPr lang="en-US" sz="1050" dirty="0"/>
-              <a:t>Sentinel 2</a:t>
+              <a:t>Landsat</a:t>
             </a:r>
           </a:p>
           <a:p>
             <a:pPr algn="ctr"/>
             <a:r>
               <a:rPr lang="en-US" sz="1050" dirty="0"/>
-              <a:t>(2018-2024)</a:t>
+              <a:t>(2014-2024)</a:t>
             </a:r>
           </a:p>
         </p:txBody>
@@ -5573,8 +5170,8 @@
         </p:nvSpPr>
         <p:spPr>
           <a:xfrm>
-            <a:off x="9336332" y="195527"/>
-            <a:ext cx="2717035" cy="5693866"/>
+            <a:off x="9336333" y="700263"/>
+            <a:ext cx="2717035" cy="4832092"/>
           </a:xfrm>
           <a:prstGeom prst="rect">
             <a:avLst/>
@@ -5588,7 +5185,7 @@
           <a:lstStyle/>
           <a:p>
             <a:r>
-              <a:rPr lang="en-US" sz="1400" dirty="0"/>
+              <a:rPr lang="en-US" sz="1400" b="1" dirty="0"/>
               <a:t>Datos:</a:t>
             </a:r>
           </a:p>
@@ -5609,7 +5206,7 @@
             </a:pPr>
             <a:r>
               <a:rPr lang="en-US" sz="1400" dirty="0"/>
-              <a:t>Sentinel 2</a:t>
+              <a:t>Landsat</a:t>
             </a:r>
           </a:p>
           <a:p>
@@ -5619,7 +5216,7 @@
             </a:pPr>
             <a:r>
               <a:rPr lang="en-US" sz="1400" dirty="0"/>
-              <a:t>2018 a 2024</a:t>
+              <a:t>2014 a 2024</a:t>
             </a:r>
           </a:p>
           <a:p>
@@ -5748,27 +5345,78 @@
             <a:endParaRPr lang="en-US" sz="1400" dirty="0"/>
           </a:p>
           <a:p>
+            <a:pPr marL="285750" indent="-285750">
+              <a:buFont typeface="Arial" panose="020B0604020202020204" pitchFamily="34" charset="0"/>
+              <a:buChar char="•"/>
+            </a:pPr>
+            <a:r>
+              <a:rPr lang="en-US" sz="1400" b="1" dirty="0" err="1"/>
+              <a:t>Clima</a:t>
+            </a:r>
+            <a:r>
+              <a:rPr lang="en-US" sz="1400" b="1" dirty="0"/>
+              <a:t>:</a:t>
+            </a:r>
+          </a:p>
+          <a:p>
             <a:pPr marL="742950" lvl="1" indent="-285750">
               <a:buFontTx/>
               <a:buChar char="-"/>
             </a:pPr>
             <a:r>
+              <a:rPr lang="en-US" sz="1400" dirty="0" err="1"/>
+              <a:t>Temperatura</a:t>
+            </a:r>
+            <a:r>
               <a:rPr lang="en-US" sz="1400" dirty="0"/>
-              <a:t>Parque Nacional </a:t>
-            </a:r>
+              <a:t> (max, min, mean)</a:t>
+            </a:r>
+          </a:p>
+          <a:p>
+            <a:pPr marL="742950" lvl="1" indent="-285750">
+              <a:buFontTx/>
+              <a:buChar char="-"/>
+            </a:pPr>
             <a:r>
               <a:rPr lang="en-US" sz="1400" dirty="0" err="1"/>
-              <a:t>Volcán</a:t>
+              <a:t>Precipitaciones</a:t>
             </a:r>
             <a:r>
               <a:rPr lang="en-US" sz="1400" dirty="0"/>
-              <a:t> </a:t>
+              <a:t> (</a:t>
             </a:r>
             <a:r>
               <a:rPr lang="en-US" sz="1400" dirty="0" err="1"/>
-              <a:t>Isluga</a:t>
-            </a:r>
-            <a:endParaRPr lang="en-US" sz="1400" dirty="0"/>
+              <a:t>diaria</a:t>
+            </a:r>
+            <a:r>
+              <a:rPr lang="en-US" sz="1400" dirty="0"/>
+              <a:t>, </a:t>
+            </a:r>
+            <a:r>
+              <a:rPr lang="en-US" sz="1400" dirty="0" err="1"/>
+              <a:t>mensual</a:t>
+            </a:r>
+            <a:r>
+              <a:rPr lang="en-US" sz="1400" dirty="0"/>
+              <a:t>, </a:t>
+            </a:r>
+            <a:r>
+              <a:rPr lang="en-US" sz="1400" dirty="0" err="1"/>
+              <a:t>anual</a:t>
+            </a:r>
+            <a:r>
+              <a:rPr lang="en-US" sz="1400" dirty="0"/>
+              <a:t>, </a:t>
+            </a:r>
+            <a:r>
+              <a:rPr lang="en-US" sz="1400" dirty="0" err="1"/>
+              <a:t>acumuladas</a:t>
+            </a:r>
+            <a:r>
+              <a:rPr lang="en-US" sz="1400" dirty="0"/>
+              <a:t>).</a:t>
+            </a:r>
           </a:p>
           <a:p>
             <a:pPr marL="285750" indent="-285750">
@@ -5776,8 +5424,20 @@
               <a:buChar char="•"/>
             </a:pPr>
             <a:r>
+              <a:rPr lang="en-US" sz="1400" b="1" dirty="0" err="1"/>
+              <a:t>Clases</a:t>
+            </a:r>
+            <a:r>
               <a:rPr lang="en-US" sz="1400" b="1" dirty="0"/>
-              <a:t>Clima:</a:t>
+              <a:t> cob </a:t>
+            </a:r>
+            <a:r>
+              <a:rPr lang="en-US" sz="1400" b="1" dirty="0" err="1"/>
+              <a:t>suelo</a:t>
+            </a:r>
+            <a:r>
+              <a:rPr lang="en-US" sz="1400" b="1" dirty="0"/>
+              <a:t>:</a:t>
             </a:r>
           </a:p>
           <a:p>
@@ -5786,12 +5446,8 @@
               <a:buChar char="-"/>
             </a:pPr>
             <a:r>
-              <a:rPr lang="en-US" sz="1400" dirty="0" err="1"/>
-              <a:t>Temperatura</a:t>
-            </a:r>
-            <a:r>
               <a:rPr lang="en-US" sz="1400" dirty="0"/>
-              <a:t> (max, min, mean)</a:t>
+              <a:t>Humedales</a:t>
             </a:r>
           </a:p>
           <a:p>
@@ -5801,103 +5457,16 @@
             </a:pPr>
             <a:r>
               <a:rPr lang="en-US" sz="1400" dirty="0" err="1"/>
-              <a:t>Precipitaciones</a:t>
+              <a:t>Vegetación</a:t>
             </a:r>
             <a:r>
               <a:rPr lang="en-US" sz="1400" dirty="0"/>
-              <a:t> (</a:t>
+              <a:t> </a:t>
             </a:r>
             <a:r>
               <a:rPr lang="en-US" sz="1400" dirty="0" err="1"/>
-              <a:t>diaria</a:t>
-            </a:r>
-            <a:r>
-              <a:rPr lang="en-US" sz="1400" dirty="0"/>
-              <a:t>, </a:t>
-            </a:r>
-            <a:r>
-              <a:rPr lang="en-US" sz="1400" dirty="0" err="1"/>
-              <a:t>mensual</a:t>
-            </a:r>
-            <a:r>
-              <a:rPr lang="en-US" sz="1400" dirty="0"/>
-              <a:t>, annual, </a:t>
-            </a:r>
-            <a:r>
-              <a:rPr lang="en-US" sz="1400" dirty="0" err="1"/>
-              <a:t>acumuladas</a:t>
-            </a:r>
-            <a:r>
-              <a:rPr lang="en-US" sz="1400" dirty="0"/>
-              <a:t>).</a:t>
-            </a:r>
-          </a:p>
-          <a:p>
-            <a:pPr marL="285750" indent="-285750">
-              <a:buFont typeface="Arial" panose="020B0604020202020204" pitchFamily="34" charset="0"/>
-              <a:buChar char="•"/>
-            </a:pPr>
-            <a:r>
-              <a:rPr lang="en-US" sz="1400" b="1" dirty="0" err="1"/>
-              <a:t>Clases</a:t>
-            </a:r>
-            <a:r>
-              <a:rPr lang="en-US" sz="1400" b="1" dirty="0"/>
-              <a:t> cob </a:t>
-            </a:r>
-            <a:r>
-              <a:rPr lang="en-US" sz="1400" b="1" dirty="0" err="1"/>
-              <a:t>suelo</a:t>
-            </a:r>
-            <a:r>
-              <a:rPr lang="en-US" sz="1400" b="1" dirty="0"/>
-              <a:t>:</a:t>
-            </a:r>
-          </a:p>
-          <a:p>
-            <a:pPr marL="742950" lvl="1" indent="-285750">
-              <a:buFontTx/>
-              <a:buChar char="-"/>
-            </a:pPr>
-            <a:r>
-              <a:rPr lang="en-US" sz="1400" dirty="0"/>
-              <a:t>Humedales</a:t>
-            </a:r>
-          </a:p>
-          <a:p>
-            <a:pPr marL="742950" lvl="1" indent="-285750">
-              <a:buFontTx/>
-              <a:buChar char="-"/>
-            </a:pPr>
-            <a:r>
-              <a:rPr lang="en-US" sz="1400" dirty="0" err="1"/>
-              <a:t>Matorrales</a:t>
-            </a:r>
-            <a:r>
-              <a:rPr lang="en-US" sz="1400" dirty="0"/>
-              <a:t> y </a:t>
-            </a:r>
-            <a:r>
-              <a:rPr lang="en-US" sz="1400" dirty="0" err="1"/>
-              <a:t>pastizales</a:t>
-            </a:r>
-            <a:endParaRPr lang="en-US" sz="1400" dirty="0"/>
-          </a:p>
-          <a:p>
-            <a:pPr marL="742950" lvl="1" indent="-285750">
-              <a:buFontTx/>
-              <a:buChar char="-"/>
-            </a:pPr>
-            <a:r>
-              <a:rPr lang="en-US" sz="1400" dirty="0"/>
-              <a:t>Bosques</a:t>
-            </a:r>
-          </a:p>
-          <a:p>
-            <a:pPr marL="742950" lvl="1" indent="-285750">
-              <a:buFontTx/>
-              <a:buChar char="-"/>
-            </a:pPr>
+              <a:t>altoandina</a:t>
+            </a:r>
             <a:endParaRPr lang="en-US" sz="1400" dirty="0"/>
           </a:p>
         </p:txBody>
@@ -5916,7 +5485,7 @@
         </p:nvSpPr>
         <p:spPr>
           <a:xfrm>
-            <a:off x="3916140" y="3112727"/>
+            <a:off x="4887462" y="3095783"/>
             <a:ext cx="1029805" cy="537328"/>
           </a:xfrm>
           <a:prstGeom prst="roundRect">
@@ -5945,23 +5514,15 @@
             <a:pPr algn="ctr"/>
             <a:r>
               <a:rPr lang="en-US" sz="1050" dirty="0" err="1"/>
-              <a:t>Fenología</a:t>
-            </a:r>
-            <a:endParaRPr lang="en-US" sz="1050" dirty="0"/>
-          </a:p>
-          <a:p>
-            <a:pPr algn="ctr"/>
+              <a:t>Vegetación</a:t>
+            </a:r>
+            <a:r>
+              <a:rPr lang="en-US" sz="1050" dirty="0"/>
+              <a:t> </a:t>
+            </a:r>
             <a:r>
               <a:rPr lang="en-US" sz="1050" dirty="0" err="1"/>
-              <a:t>Matorrales</a:t>
-            </a:r>
-            <a:r>
-              <a:rPr lang="en-US" sz="1050" dirty="0"/>
-              <a:t> y </a:t>
-            </a:r>
-            <a:r>
-              <a:rPr lang="en-US" sz="1050" dirty="0" err="1"/>
-              <a:t>pastizales</a:t>
+              <a:t>altoandina</a:t>
             </a:r>
             <a:endParaRPr lang="en-US" sz="1050" dirty="0"/>
           </a:p>
@@ -6009,65 +5570,18 @@
           <a:p>
             <a:pPr algn="ctr"/>
             <a:r>
+              <a:rPr lang="en-US" sz="1050" dirty="0" err="1"/>
+              <a:t>Bofedales</a:t>
+            </a:r>
+            <a:r>
               <a:rPr lang="en-US" sz="1050" dirty="0"/>
-              <a:t>Humedales</a:t>
-            </a:r>
-          </a:p>
-        </p:txBody>
-      </p:sp>
-      <p:sp>
-        <p:nvSpPr>
-          <p:cNvPr id="14" name="Rectangle: Rounded Corners 13">
-            <a:extLst>
-              <a:ext uri="{FF2B5EF4-FFF2-40B4-BE49-F238E27FC236}">
-                <a16:creationId xmlns:a16="http://schemas.microsoft.com/office/drawing/2014/main" id="{9510C319-B797-C423-C08F-2C891F094D8B}"/>
-              </a:ext>
-            </a:extLst>
-          </p:cNvPr>
-          <p:cNvSpPr/>
-          <p:nvPr/>
-        </p:nvSpPr>
-        <p:spPr>
-          <a:xfrm>
-            <a:off x="5104468" y="3117409"/>
-            <a:ext cx="888927" cy="537328"/>
-          </a:xfrm>
-          <a:prstGeom prst="roundRect">
-            <a:avLst/>
-          </a:prstGeom>
-          <a:ln w="12700"/>
-        </p:spPr>
-        <p:style>
-          <a:lnRef idx="2">
-            <a:schemeClr val="dk1"/>
-          </a:lnRef>
-          <a:fillRef idx="1">
-            <a:schemeClr val="lt1"/>
-          </a:fillRef>
-          <a:effectRef idx="0">
-            <a:schemeClr val="dk1"/>
-          </a:effectRef>
-          <a:fontRef idx="minor">
-            <a:schemeClr val="dk1"/>
-          </a:fontRef>
-        </p:style>
-        <p:txBody>
-          <a:bodyPr rtlCol="0" anchor="ctr"/>
-          <a:lstStyle/>
-          <a:p>
-            <a:pPr algn="ctr"/>
+              <a:t>/</a:t>
+            </a:r>
             <a:r>
               <a:rPr lang="en-US" sz="1050" dirty="0" err="1"/>
-              <a:t>Fenología</a:t>
+              <a:t>humedales</a:t>
             </a:r>
             <a:endParaRPr lang="en-US" sz="1050" dirty="0"/>
-          </a:p>
-          <a:p>
-            <a:pPr algn="ctr"/>
-            <a:r>
-              <a:rPr lang="en-US" sz="1050" dirty="0"/>
-              <a:t>Bosques</a:t>
-            </a:r>
           </a:p>
         </p:txBody>
       </p:sp>
@@ -6146,94 +5660,6 @@
       </p:sp>
       <p:sp>
         <p:nvSpPr>
-          <p:cNvPr id="17" name="Diamond 16">
-            <a:extLst>
-              <a:ext uri="{FF2B5EF4-FFF2-40B4-BE49-F238E27FC236}">
-                <a16:creationId xmlns:a16="http://schemas.microsoft.com/office/drawing/2014/main" id="{7CDBA6BF-E51C-4553-57BE-C59801314276}"/>
-              </a:ext>
-            </a:extLst>
-          </p:cNvPr>
-          <p:cNvSpPr/>
-          <p:nvPr/>
-        </p:nvSpPr>
-        <p:spPr>
-          <a:xfrm>
-            <a:off x="2874502" y="2054150"/>
-            <a:ext cx="402587" cy="349576"/>
-          </a:xfrm>
-          <a:prstGeom prst="diamond">
-            <a:avLst/>
-          </a:prstGeom>
-          <a:ln w="12700"/>
-        </p:spPr>
-        <p:style>
-          <a:lnRef idx="2">
-            <a:schemeClr val="dk1"/>
-          </a:lnRef>
-          <a:fillRef idx="1">
-            <a:schemeClr val="lt1"/>
-          </a:fillRef>
-          <a:effectRef idx="0">
-            <a:schemeClr val="dk1"/>
-          </a:effectRef>
-          <a:fontRef idx="minor">
-            <a:schemeClr val="dk1"/>
-          </a:fontRef>
-        </p:style>
-        <p:txBody>
-          <a:bodyPr rtlCol="0" anchor="ctr"/>
-          <a:lstStyle/>
-          <a:p>
-            <a:pPr algn="ctr"/>
-            <a:r>
-              <a:rPr lang="en-US" sz="1050" dirty="0"/>
-              <a:t>1</a:t>
-            </a:r>
-          </a:p>
-        </p:txBody>
-      </p:sp>
-      <p:sp>
-        <p:nvSpPr>
-          <p:cNvPr id="18" name="TextBox 17">
-            <a:extLst>
-              <a:ext uri="{FF2B5EF4-FFF2-40B4-BE49-F238E27FC236}">
-                <a16:creationId xmlns:a16="http://schemas.microsoft.com/office/drawing/2014/main" id="{CF0CEF1C-B06E-ECEF-614A-6A4FD34ACC77}"/>
-              </a:ext>
-            </a:extLst>
-          </p:cNvPr>
-          <p:cNvSpPr txBox="1"/>
-          <p:nvPr/>
-        </p:nvSpPr>
-        <p:spPr>
-          <a:xfrm>
-            <a:off x="455080" y="5135661"/>
-            <a:ext cx="1091324" cy="276999"/>
-          </a:xfrm>
-          <a:prstGeom prst="rect">
-            <a:avLst/>
-          </a:prstGeom>
-          <a:noFill/>
-        </p:spPr>
-        <p:txBody>
-          <a:bodyPr wrap="none" rtlCol="0">
-            <a:spAutoFit/>
-          </a:bodyPr>
-          <a:lstStyle/>
-          <a:p>
-            <a:r>
-              <a:rPr lang="en-US" sz="1200" dirty="0"/>
-              <a:t>1: </a:t>
-            </a:r>
-            <a:r>
-              <a:rPr lang="en-US" sz="1200" dirty="0" err="1"/>
-              <a:t>Interseción</a:t>
-            </a:r>
-            <a:endParaRPr lang="en-US" sz="1200" dirty="0"/>
-          </a:p>
-        </p:txBody>
-      </p:sp>
-      <p:sp>
-        <p:nvSpPr>
           <p:cNvPr id="20" name="TextBox 19">
             <a:extLst>
               <a:ext uri="{FF2B5EF4-FFF2-40B4-BE49-F238E27FC236}">
@@ -6247,7 +5673,7 @@
         <p:spPr>
           <a:xfrm>
             <a:off x="3564397" y="5233366"/>
-            <a:ext cx="1735949" cy="430887"/>
+            <a:ext cx="1735949" cy="415498"/>
           </a:xfrm>
           <a:prstGeom prst="rect">
             <a:avLst/>
@@ -6276,7 +5702,7 @@
             </a:r>
             <a:r>
               <a:rPr lang="en-US" sz="1050" dirty="0" err="1"/>
-              <a:t>fenología</a:t>
+              <a:t>vegetación</a:t>
             </a:r>
             <a:r>
               <a:rPr lang="en-US" sz="1050" dirty="0"/>
@@ -6469,94 +5895,6 @@
           </a:p>
         </p:txBody>
       </p:sp>
-      <p:cxnSp>
-        <p:nvCxnSpPr>
-          <p:cNvPr id="26" name="Connector: Elbow 25">
-            <a:extLst>
-              <a:ext uri="{FF2B5EF4-FFF2-40B4-BE49-F238E27FC236}">
-                <a16:creationId xmlns:a16="http://schemas.microsoft.com/office/drawing/2014/main" id="{E3075A5A-B9AC-6F31-9CA8-262FD65005C2}"/>
-              </a:ext>
-            </a:extLst>
-          </p:cNvPr>
-          <p:cNvCxnSpPr>
-            <a:stCxn id="12" idx="2"/>
-            <a:endCxn id="17" idx="1"/>
-          </p:cNvCxnSpPr>
-          <p:nvPr/>
-        </p:nvCxnSpPr>
-        <p:spPr>
-          <a:xfrm rot="16200000" flipH="1">
-            <a:off x="1646628" y="1001064"/>
-            <a:ext cx="506598" cy="1949150"/>
-          </a:xfrm>
-          <a:prstGeom prst="bentConnector2">
-            <a:avLst/>
-          </a:prstGeom>
-          <a:ln w="9525">
-            <a:solidFill>
-              <a:schemeClr val="tx1"/>
-            </a:solidFill>
-          </a:ln>
-        </p:spPr>
-        <p:style>
-          <a:lnRef idx="2">
-            <a:schemeClr val="accent1"/>
-          </a:lnRef>
-          <a:fillRef idx="0">
-            <a:schemeClr val="accent1"/>
-          </a:fillRef>
-          <a:effectRef idx="1">
-            <a:schemeClr val="accent1"/>
-          </a:effectRef>
-          <a:fontRef idx="minor">
-            <a:schemeClr val="tx1"/>
-          </a:fontRef>
-        </p:style>
-      </p:cxnSp>
-      <p:cxnSp>
-        <p:nvCxnSpPr>
-          <p:cNvPr id="28" name="Connector: Elbow 27">
-            <a:extLst>
-              <a:ext uri="{FF2B5EF4-FFF2-40B4-BE49-F238E27FC236}">
-                <a16:creationId xmlns:a16="http://schemas.microsoft.com/office/drawing/2014/main" id="{1611B5BA-11E6-1EB4-1200-06D40EED38BB}"/>
-              </a:ext>
-            </a:extLst>
-          </p:cNvPr>
-          <p:cNvCxnSpPr>
-            <a:stCxn id="4" idx="2"/>
-            <a:endCxn id="17" idx="1"/>
-          </p:cNvCxnSpPr>
-          <p:nvPr/>
-        </p:nvCxnSpPr>
-        <p:spPr>
-          <a:xfrm rot="16200000" flipH="1">
-            <a:off x="2549977" y="1904413"/>
-            <a:ext cx="506598" cy="142451"/>
-          </a:xfrm>
-          <a:prstGeom prst="bentConnector2">
-            <a:avLst/>
-          </a:prstGeom>
-          <a:ln w="9525">
-            <a:solidFill>
-              <a:schemeClr val="tx1"/>
-            </a:solidFill>
-          </a:ln>
-        </p:spPr>
-        <p:style>
-          <a:lnRef idx="2">
-            <a:schemeClr val="accent1"/>
-          </a:lnRef>
-          <a:fillRef idx="0">
-            <a:schemeClr val="accent1"/>
-          </a:fillRef>
-          <a:effectRef idx="1">
-            <a:schemeClr val="accent1"/>
-          </a:effectRef>
-          <a:fontRef idx="minor">
-            <a:schemeClr val="tx1"/>
-          </a:fontRef>
-        </p:style>
-      </p:cxnSp>
       <p:cxnSp>
         <p:nvCxnSpPr>
           <p:cNvPr id="30" name="Straight Connector 29">
@@ -6927,8 +6265,8 @@
         </p:nvCxnSpPr>
         <p:spPr>
           <a:xfrm rot="5400000">
-            <a:off x="5765935" y="2721021"/>
-            <a:ext cx="2262201" cy="3193377"/>
+            <a:off x="5769782" y="2717174"/>
+            <a:ext cx="2254506" cy="3193377"/>
           </a:xfrm>
           <a:prstGeom prst="bentConnector2">
             <a:avLst/>
@@ -6971,8 +6309,8 @@
         </p:nvCxnSpPr>
         <p:spPr>
           <a:xfrm flipH="1">
-            <a:off x="4431707" y="5664253"/>
-            <a:ext cx="665" cy="298989"/>
+            <a:off x="4431707" y="5648864"/>
+            <a:ext cx="665" cy="314378"/>
           </a:xfrm>
           <a:prstGeom prst="line">
             <a:avLst/>
@@ -7045,50 +6383,6 @@
       </p:cxnSp>
       <p:cxnSp>
         <p:nvCxnSpPr>
-          <p:cNvPr id="72" name="Straight Connector 71">
-            <a:extLst>
-              <a:ext uri="{FF2B5EF4-FFF2-40B4-BE49-F238E27FC236}">
-                <a16:creationId xmlns:a16="http://schemas.microsoft.com/office/drawing/2014/main" id="{B5689BC5-CC96-43E5-F942-41EC76F380D1}"/>
-              </a:ext>
-            </a:extLst>
-          </p:cNvPr>
-          <p:cNvCxnSpPr>
-            <a:stCxn id="17" idx="3"/>
-            <a:endCxn id="6" idx="1"/>
-          </p:cNvCxnSpPr>
-          <p:nvPr/>
-        </p:nvCxnSpPr>
-        <p:spPr>
-          <a:xfrm>
-            <a:off x="3277089" y="2228938"/>
-            <a:ext cx="626748" cy="4533"/>
-          </a:xfrm>
-          <a:prstGeom prst="line">
-            <a:avLst/>
-          </a:prstGeom>
-          <a:ln w="9525">
-            <a:solidFill>
-              <a:schemeClr val="tx1"/>
-            </a:solidFill>
-          </a:ln>
-        </p:spPr>
-        <p:style>
-          <a:lnRef idx="2">
-            <a:schemeClr val="accent1"/>
-          </a:lnRef>
-          <a:fillRef idx="0">
-            <a:schemeClr val="accent1"/>
-          </a:fillRef>
-          <a:effectRef idx="1">
-            <a:schemeClr val="accent1"/>
-          </a:effectRef>
-          <a:fontRef idx="minor">
-            <a:schemeClr val="tx1"/>
-          </a:fontRef>
-        </p:style>
-      </p:cxnSp>
-      <p:cxnSp>
-        <p:nvCxnSpPr>
           <p:cNvPr id="81" name="Straight Connector 80">
             <a:extLst>
               <a:ext uri="{FF2B5EF4-FFF2-40B4-BE49-F238E27FC236}">
@@ -7217,183 +6511,6 @@
           </a:fillRef>
           <a:effectRef idx="1">
             <a:schemeClr val="accent1"/>
-          </a:effectRef>
-          <a:fontRef idx="minor">
-            <a:schemeClr val="tx1"/>
-          </a:fontRef>
-        </p:style>
-      </p:cxnSp>
-      <p:cxnSp>
-        <p:nvCxnSpPr>
-          <p:cNvPr id="107" name="Connector: Elbow 106">
-            <a:extLst>
-              <a:ext uri="{FF2B5EF4-FFF2-40B4-BE49-F238E27FC236}">
-                <a16:creationId xmlns:a16="http://schemas.microsoft.com/office/drawing/2014/main" id="{104FBD42-9830-70B1-BC8B-51A92A9059A7}"/>
-              </a:ext>
-            </a:extLst>
-          </p:cNvPr>
-          <p:cNvCxnSpPr>
-            <a:stCxn id="6" idx="2"/>
-            <a:endCxn id="14" idx="0"/>
-          </p:cNvCxnSpPr>
-          <p:nvPr/>
-        </p:nvCxnSpPr>
-        <p:spPr>
-          <a:xfrm rot="16200000" flipH="1">
-            <a:off x="4607678" y="2176154"/>
-            <a:ext cx="752747" cy="1129762"/>
-          </a:xfrm>
-          <a:prstGeom prst="bentConnector3">
-            <a:avLst>
-              <a:gd name="adj1" fmla="val 50000"/>
-            </a:avLst>
-          </a:prstGeom>
-          <a:ln w="12700"/>
-        </p:spPr>
-        <p:style>
-          <a:lnRef idx="2">
-            <a:schemeClr val="dk1"/>
-          </a:lnRef>
-          <a:fillRef idx="0">
-            <a:schemeClr val="dk1"/>
-          </a:fillRef>
-          <a:effectRef idx="1">
-            <a:schemeClr val="dk1"/>
-          </a:effectRef>
-          <a:fontRef idx="minor">
-            <a:schemeClr val="tx1"/>
-          </a:fontRef>
-        </p:style>
-      </p:cxnSp>
-      <p:cxnSp>
-        <p:nvCxnSpPr>
-          <p:cNvPr id="110" name="Connector: Elbow 109">
-            <a:extLst>
-              <a:ext uri="{FF2B5EF4-FFF2-40B4-BE49-F238E27FC236}">
-                <a16:creationId xmlns:a16="http://schemas.microsoft.com/office/drawing/2014/main" id="{8F58B507-E868-FC18-ABD8-102CB98B3930}"/>
-              </a:ext>
-            </a:extLst>
-          </p:cNvPr>
-          <p:cNvCxnSpPr>
-            <a:stCxn id="14" idx="2"/>
-            <a:endCxn id="16" idx="0"/>
-          </p:cNvCxnSpPr>
-          <p:nvPr/>
-        </p:nvCxnSpPr>
-        <p:spPr>
-          <a:xfrm rot="5400000">
-            <a:off x="4723664" y="3362115"/>
-            <a:ext cx="532646" cy="1117890"/>
-          </a:xfrm>
-          <a:prstGeom prst="bentConnector3">
-            <a:avLst>
-              <a:gd name="adj1" fmla="val 50000"/>
-            </a:avLst>
-          </a:prstGeom>
-          <a:ln w="12700">
-            <a:solidFill>
-              <a:schemeClr val="tx1"/>
-            </a:solidFill>
-          </a:ln>
-        </p:spPr>
-        <p:style>
-          <a:lnRef idx="2">
-            <a:schemeClr val="dk1"/>
-          </a:lnRef>
-          <a:fillRef idx="0">
-            <a:schemeClr val="dk1"/>
-          </a:fillRef>
-          <a:effectRef idx="1">
-            <a:schemeClr val="dk1"/>
-          </a:effectRef>
-          <a:fontRef idx="minor">
-            <a:schemeClr val="tx1"/>
-          </a:fontRef>
-        </p:style>
-      </p:cxnSp>
-      <p:cxnSp>
-        <p:nvCxnSpPr>
-          <p:cNvPr id="119" name="Straight Connector 118">
-            <a:extLst>
-              <a:ext uri="{FF2B5EF4-FFF2-40B4-BE49-F238E27FC236}">
-                <a16:creationId xmlns:a16="http://schemas.microsoft.com/office/drawing/2014/main" id="{CCF4CF9D-7070-3965-FE24-577D9D19EF1E}"/>
-              </a:ext>
-            </a:extLst>
-          </p:cNvPr>
-          <p:cNvCxnSpPr>
-            <a:stCxn id="6" idx="2"/>
-            <a:endCxn id="3" idx="0"/>
-          </p:cNvCxnSpPr>
-          <p:nvPr/>
-        </p:nvCxnSpPr>
-        <p:spPr>
-          <a:xfrm>
-            <a:off x="4419170" y="2364662"/>
-            <a:ext cx="11873" cy="748065"/>
-          </a:xfrm>
-          <a:prstGeom prst="line">
-            <a:avLst/>
-          </a:prstGeom>
-          <a:ln w="12700">
-            <a:solidFill>
-              <a:schemeClr val="tx1"/>
-            </a:solidFill>
-          </a:ln>
-        </p:spPr>
-        <p:style>
-          <a:lnRef idx="2">
-            <a:schemeClr val="dk1"/>
-          </a:lnRef>
-          <a:fillRef idx="0">
-            <a:schemeClr val="dk1"/>
-          </a:fillRef>
-          <a:effectRef idx="1">
-            <a:schemeClr val="dk1"/>
-          </a:effectRef>
-          <a:fontRef idx="minor">
-            <a:schemeClr val="tx1"/>
-          </a:fontRef>
-        </p:style>
-      </p:cxnSp>
-      <p:cxnSp>
-        <p:nvCxnSpPr>
-          <p:cNvPr id="121" name="Straight Connector 120">
-            <a:extLst>
-              <a:ext uri="{FF2B5EF4-FFF2-40B4-BE49-F238E27FC236}">
-                <a16:creationId xmlns:a16="http://schemas.microsoft.com/office/drawing/2014/main" id="{629291A8-61A2-2AFA-B268-C1E3567111B9}"/>
-              </a:ext>
-            </a:extLst>
-          </p:cNvPr>
-          <p:cNvCxnSpPr>
-            <a:cxnSpLocks/>
-            <a:stCxn id="3" idx="2"/>
-            <a:endCxn id="16" idx="0"/>
-          </p:cNvCxnSpPr>
-          <p:nvPr/>
-        </p:nvCxnSpPr>
-        <p:spPr>
-          <a:xfrm flipH="1">
-            <a:off x="4431042" y="3650055"/>
-            <a:ext cx="1" cy="537328"/>
-          </a:xfrm>
-          <a:prstGeom prst="line">
-            <a:avLst/>
-          </a:prstGeom>
-          <a:ln w="12700">
-            <a:solidFill>
-              <a:schemeClr val="tx1"/>
-            </a:solidFill>
-          </a:ln>
-        </p:spPr>
-        <p:style>
-          <a:lnRef idx="2">
-            <a:schemeClr val="dk1"/>
-          </a:lnRef>
-          <a:fillRef idx="0">
-            <a:schemeClr val="dk1"/>
-          </a:fillRef>
-          <a:effectRef idx="1">
-            <a:schemeClr val="dk1"/>
           </a:effectRef>
           <a:fontRef idx="minor">
             <a:schemeClr val="tx1"/>
@@ -7506,6 +6623,164 @@
             <a:schemeClr val="dk1"/>
           </a:fillRef>
           <a:effectRef idx="1">
+            <a:schemeClr val="dk1"/>
+          </a:effectRef>
+          <a:fontRef idx="minor">
+            <a:schemeClr val="tx1"/>
+          </a:fontRef>
+        </p:style>
+      </p:cxnSp>
+      <p:cxnSp>
+        <p:nvCxnSpPr>
+          <p:cNvPr id="19" name="Connector: Elbow 18">
+            <a:extLst>
+              <a:ext uri="{FF2B5EF4-FFF2-40B4-BE49-F238E27FC236}">
+                <a16:creationId xmlns:a16="http://schemas.microsoft.com/office/drawing/2014/main" id="{3C7F34E1-1D4F-207D-A32C-929073AA85BA}"/>
+              </a:ext>
+            </a:extLst>
+          </p:cNvPr>
+          <p:cNvCxnSpPr>
+            <a:stCxn id="4" idx="2"/>
+            <a:endCxn id="6" idx="1"/>
+          </p:cNvCxnSpPr>
+          <p:nvPr/>
+        </p:nvCxnSpPr>
+        <p:spPr>
+          <a:xfrm rot="16200000" flipH="1">
+            <a:off x="3062379" y="1392012"/>
+            <a:ext cx="511131" cy="1171786"/>
+          </a:xfrm>
+          <a:prstGeom prst="bentConnector2">
+            <a:avLst/>
+          </a:prstGeom>
+        </p:spPr>
+        <p:style>
+          <a:lnRef idx="1">
+            <a:schemeClr val="dk1"/>
+          </a:lnRef>
+          <a:fillRef idx="0">
+            <a:schemeClr val="dk1"/>
+          </a:fillRef>
+          <a:effectRef idx="0">
+            <a:schemeClr val="dk1"/>
+          </a:effectRef>
+          <a:fontRef idx="minor">
+            <a:schemeClr val="tx1"/>
+          </a:fontRef>
+        </p:style>
+      </p:cxnSp>
+      <p:cxnSp>
+        <p:nvCxnSpPr>
+          <p:cNvPr id="22" name="Connector: Elbow 21">
+            <a:extLst>
+              <a:ext uri="{FF2B5EF4-FFF2-40B4-BE49-F238E27FC236}">
+                <a16:creationId xmlns:a16="http://schemas.microsoft.com/office/drawing/2014/main" id="{44B2A431-C330-D34C-F8F2-037A96D61658}"/>
+              </a:ext>
+            </a:extLst>
+          </p:cNvPr>
+          <p:cNvCxnSpPr>
+            <a:stCxn id="12" idx="2"/>
+            <a:endCxn id="6" idx="1"/>
+          </p:cNvCxnSpPr>
+          <p:nvPr/>
+        </p:nvCxnSpPr>
+        <p:spPr>
+          <a:xfrm rot="16200000" flipH="1">
+            <a:off x="2159029" y="488662"/>
+            <a:ext cx="511131" cy="2978485"/>
+          </a:xfrm>
+          <a:prstGeom prst="bentConnector2">
+            <a:avLst/>
+          </a:prstGeom>
+        </p:spPr>
+        <p:style>
+          <a:lnRef idx="1">
+            <a:schemeClr val="dk1"/>
+          </a:lnRef>
+          <a:fillRef idx="0">
+            <a:schemeClr val="dk1"/>
+          </a:fillRef>
+          <a:effectRef idx="0">
+            <a:schemeClr val="dk1"/>
+          </a:effectRef>
+          <a:fontRef idx="minor">
+            <a:schemeClr val="tx1"/>
+          </a:fontRef>
+        </p:style>
+      </p:cxnSp>
+      <p:cxnSp>
+        <p:nvCxnSpPr>
+          <p:cNvPr id="38" name="Connector: Elbow 37">
+            <a:extLst>
+              <a:ext uri="{FF2B5EF4-FFF2-40B4-BE49-F238E27FC236}">
+                <a16:creationId xmlns:a16="http://schemas.microsoft.com/office/drawing/2014/main" id="{C782B0B8-B168-DB1F-13B6-827A8DE8B4EC}"/>
+              </a:ext>
+            </a:extLst>
+          </p:cNvPr>
+          <p:cNvCxnSpPr>
+            <a:stCxn id="3" idx="2"/>
+            <a:endCxn id="16" idx="0"/>
+          </p:cNvCxnSpPr>
+          <p:nvPr/>
+        </p:nvCxnSpPr>
+        <p:spPr>
+          <a:xfrm rot="5400000">
+            <a:off x="4639568" y="3424586"/>
+            <a:ext cx="554272" cy="971323"/>
+          </a:xfrm>
+          <a:prstGeom prst="bentConnector3">
+            <a:avLst>
+              <a:gd name="adj1" fmla="val 51896"/>
+            </a:avLst>
+          </a:prstGeom>
+        </p:spPr>
+        <p:style>
+          <a:lnRef idx="1">
+            <a:schemeClr val="dk1"/>
+          </a:lnRef>
+          <a:fillRef idx="0">
+            <a:schemeClr val="dk1"/>
+          </a:fillRef>
+          <a:effectRef idx="0">
+            <a:schemeClr val="dk1"/>
+          </a:effectRef>
+          <a:fontRef idx="minor">
+            <a:schemeClr val="tx1"/>
+          </a:fontRef>
+        </p:style>
+      </p:cxnSp>
+      <p:cxnSp>
+        <p:nvCxnSpPr>
+          <p:cNvPr id="41" name="Connector: Elbow 40">
+            <a:extLst>
+              <a:ext uri="{FF2B5EF4-FFF2-40B4-BE49-F238E27FC236}">
+                <a16:creationId xmlns:a16="http://schemas.microsoft.com/office/drawing/2014/main" id="{A3974E94-C09A-849F-CDF5-24B738DEB288}"/>
+              </a:ext>
+            </a:extLst>
+          </p:cNvPr>
+          <p:cNvCxnSpPr>
+            <a:stCxn id="6" idx="2"/>
+            <a:endCxn id="3" idx="0"/>
+          </p:cNvCxnSpPr>
+          <p:nvPr/>
+        </p:nvCxnSpPr>
+        <p:spPr>
+          <a:xfrm rot="16200000" flipH="1">
+            <a:off x="4545207" y="2238624"/>
+            <a:ext cx="731121" cy="983195"/>
+          </a:xfrm>
+          <a:prstGeom prst="bentConnector3">
+            <a:avLst/>
+          </a:prstGeom>
+        </p:spPr>
+        <p:style>
+          <a:lnRef idx="1">
+            <a:schemeClr val="dk1"/>
+          </a:lnRef>
+          <a:fillRef idx="0">
+            <a:schemeClr val="dk1"/>
+          </a:fillRef>
+          <a:effectRef idx="0">
             <a:schemeClr val="dk1"/>
           </a:effectRef>
           <a:fontRef idx="minor">
